--- a/other_github/0001-0100/LeetCode 第 79 题：“单词搜索”题解配图.pptx
+++ b/other_github/0001-0100/LeetCode 第 79 题：“单词搜索”题解配图.pptx
@@ -118,7 +118,7 @@
   </p:defaultTextStyle>
   <p:extLst>
     <p:ext uri="{EFAFB233-063F-42B5-8137-9DF3F51BA10A}">
-      <p15:sldGuideLst xmlns:p15="http://schemas.microsoft.com/office/powerpoint/2012/main"/>
+      <p15:sldGuideLst xmlns:p15="http://schemas.microsoft.com/office/powerpoint/2012/main" xmlns=""/>
     </p:ext>
   </p:extLst>
 </p:presentation>
@@ -146,7 +146,7 @@
           <p:cNvPr id="8" name="矩形 7">
             <a:extLst>
               <a:ext uri="{FF2B5EF4-FFF2-40B4-BE49-F238E27FC236}">
-                <a16:creationId xmlns:a16="http://schemas.microsoft.com/office/drawing/2014/main" id="{F399C0FD-7C40-0147-8ACB-4E13D9DFBB9C}"/>
+                <a16:creationId xmlns:a16="http://schemas.microsoft.com/office/drawing/2014/main" xmlns="" id="{F399C0FD-7C40-0147-8ACB-4E13D9DFBB9C}"/>
               </a:ext>
             </a:extLst>
           </p:cNvPr>
@@ -192,7 +192,7 @@
           <p:cNvPr id="7" name="图片 6">
             <a:extLst>
               <a:ext uri="{FF2B5EF4-FFF2-40B4-BE49-F238E27FC236}">
-                <a16:creationId xmlns:a16="http://schemas.microsoft.com/office/drawing/2014/main" id="{82370E24-12B4-C64E-A72C-43E85C52D83B}"/>
+                <a16:creationId xmlns:a16="http://schemas.microsoft.com/office/drawing/2014/main" xmlns="" id="{82370E24-12B4-C64E-A72C-43E85C52D83B}"/>
               </a:ext>
             </a:extLst>
           </p:cNvPr>
@@ -220,7 +220,7 @@
     </p:spTree>
     <p:extLst>
       <p:ext uri="{BB962C8B-B14F-4D97-AF65-F5344CB8AC3E}">
-        <p14:creationId xmlns:p14="http://schemas.microsoft.com/office/powerpoint/2010/main" val="1392055626"/>
+        <p14:creationId xmlns:p14="http://schemas.microsoft.com/office/powerpoint/2010/main" xmlns="" val="1392055626"/>
       </p:ext>
     </p:extLst>
   </p:cSld>
@@ -358,7 +358,8 @@
           <a:p>
             <a:fld id="{7C955CD6-C544-6447-88CB-A2D8D4C328B3}" type="datetimeFigureOut">
               <a:rPr kumimoji="1" lang="zh-CN" altLang="en-US" smtClean="0"/>
-              <a:t>2019/7/2</a:t>
+              <a:pPr/>
+              <a:t>2019/8/8</a:t>
             </a:fld>
             <a:endParaRPr kumimoji="1" lang="zh-CN" altLang="en-US"/>
           </a:p>
@@ -436,6 +437,7 @@
           <a:p>
             <a:fld id="{502A6B2C-FFFF-F842-A641-B920BDB4AC58}" type="slidenum">
               <a:rPr kumimoji="1" lang="zh-CN" altLang="en-US" smtClean="0"/>
+              <a:pPr/>
               <a:t>‹#›</a:t>
             </a:fld>
             <a:endParaRPr kumimoji="1" lang="zh-CN" altLang="en-US"/>
@@ -445,7 +447,7 @@
     </p:spTree>
     <p:extLst>
       <p:ext uri="{BB962C8B-B14F-4D97-AF65-F5344CB8AC3E}">
-        <p14:creationId xmlns:p14="http://schemas.microsoft.com/office/powerpoint/2010/main" val="1469646871"/>
+        <p14:creationId xmlns:p14="http://schemas.microsoft.com/office/powerpoint/2010/main" xmlns="" val="1469646871"/>
       </p:ext>
     </p:extLst>
   </p:cSld>
@@ -758,7 +760,7 @@
           <p:cNvPr id="2" name="图片 1">
             <a:extLst>
               <a:ext uri="{FF2B5EF4-FFF2-40B4-BE49-F238E27FC236}">
-                <a16:creationId xmlns:a16="http://schemas.microsoft.com/office/drawing/2014/main" id="{748D603F-7072-4540-BFBF-141D992B10B9}"/>
+                <a16:creationId xmlns:a16="http://schemas.microsoft.com/office/drawing/2014/main" xmlns="" id="{748D603F-7072-4540-BFBF-141D992B10B9}"/>
               </a:ext>
             </a:extLst>
           </p:cNvPr>
@@ -788,7 +790,7 @@
           <p:cNvPr id="5" name="文本框 4">
             <a:extLst>
               <a:ext uri="{FF2B5EF4-FFF2-40B4-BE49-F238E27FC236}">
-                <a16:creationId xmlns:a16="http://schemas.microsoft.com/office/drawing/2014/main" id="{CE00BF06-7FA8-E444-9F29-A7A853328E21}"/>
+                <a16:creationId xmlns:a16="http://schemas.microsoft.com/office/drawing/2014/main" xmlns="" id="{CE00BF06-7FA8-E444-9F29-A7A853328E21}"/>
               </a:ext>
             </a:extLst>
           </p:cNvPr>
@@ -859,7 +861,7 @@
           <p:cNvPr id="18" name="组合 17">
             <a:extLst>
               <a:ext uri="{FF2B5EF4-FFF2-40B4-BE49-F238E27FC236}">
-                <a16:creationId xmlns:a16="http://schemas.microsoft.com/office/drawing/2014/main" id="{B31EB78D-0511-F24D-9D45-A78883C12726}"/>
+                <a16:creationId xmlns:a16="http://schemas.microsoft.com/office/drawing/2014/main" xmlns="" id="{B31EB78D-0511-F24D-9D45-A78883C12726}"/>
               </a:ext>
             </a:extLst>
           </p:cNvPr>
@@ -879,7 +881,7 @@
             <p:cNvPr id="19" name="直线箭头连接符 18">
               <a:extLst>
                 <a:ext uri="{FF2B5EF4-FFF2-40B4-BE49-F238E27FC236}">
-                  <a16:creationId xmlns:a16="http://schemas.microsoft.com/office/drawing/2014/main" id="{6F207097-AFC2-324A-A5B5-24A7FC3462A9}"/>
+                  <a16:creationId xmlns:a16="http://schemas.microsoft.com/office/drawing/2014/main" xmlns="" id="{6F207097-AFC2-324A-A5B5-24A7FC3462A9}"/>
                 </a:ext>
               </a:extLst>
             </p:cNvPr>
@@ -923,7 +925,7 @@
             <p:cNvPr id="20" name="直线箭头连接符 19">
               <a:extLst>
                 <a:ext uri="{FF2B5EF4-FFF2-40B4-BE49-F238E27FC236}">
-                  <a16:creationId xmlns:a16="http://schemas.microsoft.com/office/drawing/2014/main" id="{677042CB-056E-4745-88E5-7970DB39B3CE}"/>
+                  <a16:creationId xmlns:a16="http://schemas.microsoft.com/office/drawing/2014/main" xmlns="" id="{677042CB-056E-4745-88E5-7970DB39B3CE}"/>
                 </a:ext>
               </a:extLst>
             </p:cNvPr>
@@ -967,7 +969,7 @@
             <p:cNvPr id="21" name="直线箭头连接符 20">
               <a:extLst>
                 <a:ext uri="{FF2B5EF4-FFF2-40B4-BE49-F238E27FC236}">
-                  <a16:creationId xmlns:a16="http://schemas.microsoft.com/office/drawing/2014/main" id="{90D32DBA-EA76-B945-87A9-0139EDB6E23E}"/>
+                  <a16:creationId xmlns:a16="http://schemas.microsoft.com/office/drawing/2014/main" xmlns="" id="{90D32DBA-EA76-B945-87A9-0139EDB6E23E}"/>
                 </a:ext>
               </a:extLst>
             </p:cNvPr>
@@ -1011,7 +1013,7 @@
             <p:cNvPr id="22" name="直线箭头连接符 21">
               <a:extLst>
                 <a:ext uri="{FF2B5EF4-FFF2-40B4-BE49-F238E27FC236}">
-                  <a16:creationId xmlns:a16="http://schemas.microsoft.com/office/drawing/2014/main" id="{E4B6DB30-80E9-1A42-8737-D0BE2EEEA8E9}"/>
+                  <a16:creationId xmlns:a16="http://schemas.microsoft.com/office/drawing/2014/main" xmlns="" id="{E4B6DB30-80E9-1A42-8737-D0BE2EEEA8E9}"/>
                 </a:ext>
               </a:extLst>
             </p:cNvPr>
@@ -1055,7 +1057,7 @@
             <p:cNvPr id="23" name="文本框 22">
               <a:extLst>
                 <a:ext uri="{FF2B5EF4-FFF2-40B4-BE49-F238E27FC236}">
-                  <a16:creationId xmlns:a16="http://schemas.microsoft.com/office/drawing/2014/main" id="{3243BA59-B8B0-7644-8C97-C37EC26C6ABA}"/>
+                  <a16:creationId xmlns:a16="http://schemas.microsoft.com/office/drawing/2014/main" xmlns="" id="{3243BA59-B8B0-7644-8C97-C37EC26C6ABA}"/>
                 </a:ext>
               </a:extLst>
             </p:cNvPr>
@@ -1125,7 +1127,7 @@
             <p:cNvPr id="24" name="矩形 23">
               <a:extLst>
                 <a:ext uri="{FF2B5EF4-FFF2-40B4-BE49-F238E27FC236}">
-                  <a16:creationId xmlns:a16="http://schemas.microsoft.com/office/drawing/2014/main" id="{545A939E-FD29-B748-BE0C-B92869156039}"/>
+                  <a16:creationId xmlns:a16="http://schemas.microsoft.com/office/drawing/2014/main" xmlns="" id="{545A939E-FD29-B748-BE0C-B92869156039}"/>
                 </a:ext>
               </a:extLst>
             </p:cNvPr>
@@ -1160,7 +1162,7 @@
             <p:cNvPr id="25" name="矩形 24">
               <a:extLst>
                 <a:ext uri="{FF2B5EF4-FFF2-40B4-BE49-F238E27FC236}">
-                  <a16:creationId xmlns:a16="http://schemas.microsoft.com/office/drawing/2014/main" id="{FDAC4F3B-BCE2-B84A-9104-FAD316D95073}"/>
+                  <a16:creationId xmlns:a16="http://schemas.microsoft.com/office/drawing/2014/main" xmlns="" id="{FDAC4F3B-BCE2-B84A-9104-FAD316D95073}"/>
                 </a:ext>
               </a:extLst>
             </p:cNvPr>
@@ -1195,7 +1197,7 @@
             <p:cNvPr id="26" name="矩形 25">
               <a:extLst>
                 <a:ext uri="{FF2B5EF4-FFF2-40B4-BE49-F238E27FC236}">
-                  <a16:creationId xmlns:a16="http://schemas.microsoft.com/office/drawing/2014/main" id="{751BFB9E-8BF5-664D-827F-CED5E6235A4F}"/>
+                  <a16:creationId xmlns:a16="http://schemas.microsoft.com/office/drawing/2014/main" xmlns="" id="{751BFB9E-8BF5-664D-827F-CED5E6235A4F}"/>
                 </a:ext>
               </a:extLst>
             </p:cNvPr>
@@ -1230,7 +1232,7 @@
             <p:cNvPr id="27" name="矩形 26">
               <a:extLst>
                 <a:ext uri="{FF2B5EF4-FFF2-40B4-BE49-F238E27FC236}">
-                  <a16:creationId xmlns:a16="http://schemas.microsoft.com/office/drawing/2014/main" id="{E77D74C3-0159-5B45-B0E1-4ACEB1915330}"/>
+                  <a16:creationId xmlns:a16="http://schemas.microsoft.com/office/drawing/2014/main" xmlns="" id="{E77D74C3-0159-5B45-B0E1-4ACEB1915330}"/>
                 </a:ext>
               </a:extLst>
             </p:cNvPr>
@@ -1266,7 +1268,7 @@
           <p:cNvPr id="28" name="矩形 27">
             <a:extLst>
               <a:ext uri="{FF2B5EF4-FFF2-40B4-BE49-F238E27FC236}">
-                <a16:creationId xmlns:a16="http://schemas.microsoft.com/office/drawing/2014/main" id="{45059F00-28CC-4349-974C-B53D3988E15E}"/>
+                <a16:creationId xmlns:a16="http://schemas.microsoft.com/office/drawing/2014/main" xmlns="" id="{45059F00-28CC-4349-974C-B53D3988E15E}"/>
               </a:ext>
             </a:extLst>
           </p:cNvPr>
@@ -1362,7 +1364,7 @@
           <p:cNvPr id="29" name="文本框 28">
             <a:extLst>
               <a:ext uri="{FF2B5EF4-FFF2-40B4-BE49-F238E27FC236}">
-                <a16:creationId xmlns:a16="http://schemas.microsoft.com/office/drawing/2014/main" id="{BFD41FFF-6E2A-B240-965E-C4B5BC26BD49}"/>
+                <a16:creationId xmlns:a16="http://schemas.microsoft.com/office/drawing/2014/main" xmlns="" id="{BFD41FFF-6E2A-B240-965E-C4B5BC26BD49}"/>
               </a:ext>
             </a:extLst>
           </p:cNvPr>
@@ -1418,7 +1420,7 @@
     </p:spTree>
     <p:extLst>
       <p:ext uri="{BB962C8B-B14F-4D97-AF65-F5344CB8AC3E}">
-        <p14:creationId xmlns:p14="http://schemas.microsoft.com/office/powerpoint/2010/main" val="3191798733"/>
+        <p14:creationId xmlns:p14="http://schemas.microsoft.com/office/powerpoint/2010/main" xmlns="" val="3191798733"/>
       </p:ext>
     </p:extLst>
   </p:cSld>
@@ -1450,7 +1452,7 @@
           <p:cNvPr id="2" name="图片 1">
             <a:extLst>
               <a:ext uri="{FF2B5EF4-FFF2-40B4-BE49-F238E27FC236}">
-                <a16:creationId xmlns:a16="http://schemas.microsoft.com/office/drawing/2014/main" id="{D38D36D2-2892-E344-B1DC-86D4E4747D44}"/>
+                <a16:creationId xmlns:a16="http://schemas.microsoft.com/office/drawing/2014/main" xmlns="" id="{D38D36D2-2892-E344-B1DC-86D4E4747D44}"/>
               </a:ext>
             </a:extLst>
           </p:cNvPr>
@@ -1480,7 +1482,7 @@
           <p:cNvPr id="3" name="组合 2">
             <a:extLst>
               <a:ext uri="{FF2B5EF4-FFF2-40B4-BE49-F238E27FC236}">
-                <a16:creationId xmlns:a16="http://schemas.microsoft.com/office/drawing/2014/main" id="{1C2014AD-3AAF-B940-8055-4E1C16D70AAC}"/>
+                <a16:creationId xmlns:a16="http://schemas.microsoft.com/office/drawing/2014/main" xmlns="" id="{1C2014AD-3AAF-B940-8055-4E1C16D70AAC}"/>
               </a:ext>
             </a:extLst>
           </p:cNvPr>
@@ -1500,7 +1502,7 @@
             <p:cNvPr id="4" name="直线箭头连接符 3">
               <a:extLst>
                 <a:ext uri="{FF2B5EF4-FFF2-40B4-BE49-F238E27FC236}">
-                  <a16:creationId xmlns:a16="http://schemas.microsoft.com/office/drawing/2014/main" id="{E04C804D-D214-EF44-A883-55F019AA2643}"/>
+                  <a16:creationId xmlns:a16="http://schemas.microsoft.com/office/drawing/2014/main" xmlns="" id="{E04C804D-D214-EF44-A883-55F019AA2643}"/>
                 </a:ext>
               </a:extLst>
             </p:cNvPr>
@@ -1544,7 +1546,7 @@
             <p:cNvPr id="5" name="直线箭头连接符 4">
               <a:extLst>
                 <a:ext uri="{FF2B5EF4-FFF2-40B4-BE49-F238E27FC236}">
-                  <a16:creationId xmlns:a16="http://schemas.microsoft.com/office/drawing/2014/main" id="{9DAED1B9-9125-CC4B-A86B-75ACCDFD0918}"/>
+                  <a16:creationId xmlns:a16="http://schemas.microsoft.com/office/drawing/2014/main" xmlns="" id="{9DAED1B9-9125-CC4B-A86B-75ACCDFD0918}"/>
                 </a:ext>
               </a:extLst>
             </p:cNvPr>
@@ -1588,7 +1590,7 @@
             <p:cNvPr id="6" name="直线箭头连接符 5">
               <a:extLst>
                 <a:ext uri="{FF2B5EF4-FFF2-40B4-BE49-F238E27FC236}">
-                  <a16:creationId xmlns:a16="http://schemas.microsoft.com/office/drawing/2014/main" id="{B7E6ADF5-8BCA-B746-AFEF-7E1D035C14AF}"/>
+                  <a16:creationId xmlns:a16="http://schemas.microsoft.com/office/drawing/2014/main" xmlns="" id="{B7E6ADF5-8BCA-B746-AFEF-7E1D035C14AF}"/>
                 </a:ext>
               </a:extLst>
             </p:cNvPr>
@@ -1632,7 +1634,7 @@
             <p:cNvPr id="7" name="直线箭头连接符 6">
               <a:extLst>
                 <a:ext uri="{FF2B5EF4-FFF2-40B4-BE49-F238E27FC236}">
-                  <a16:creationId xmlns:a16="http://schemas.microsoft.com/office/drawing/2014/main" id="{517880D0-486A-1D45-A206-1597A42452CF}"/>
+                  <a16:creationId xmlns:a16="http://schemas.microsoft.com/office/drawing/2014/main" xmlns="" id="{517880D0-486A-1D45-A206-1597A42452CF}"/>
                 </a:ext>
               </a:extLst>
             </p:cNvPr>
@@ -1676,7 +1678,7 @@
             <p:cNvPr id="8" name="文本框 7">
               <a:extLst>
                 <a:ext uri="{FF2B5EF4-FFF2-40B4-BE49-F238E27FC236}">
-                  <a16:creationId xmlns:a16="http://schemas.microsoft.com/office/drawing/2014/main" id="{41143842-8F30-614C-AE04-F7F24EEFA6F3}"/>
+                  <a16:creationId xmlns:a16="http://schemas.microsoft.com/office/drawing/2014/main" xmlns="" id="{41143842-8F30-614C-AE04-F7F24EEFA6F3}"/>
                 </a:ext>
               </a:extLst>
             </p:cNvPr>
@@ -1746,7 +1748,7 @@
             <p:cNvPr id="9" name="矩形 8">
               <a:extLst>
                 <a:ext uri="{FF2B5EF4-FFF2-40B4-BE49-F238E27FC236}">
-                  <a16:creationId xmlns:a16="http://schemas.microsoft.com/office/drawing/2014/main" id="{F6C67529-412C-904A-B4C4-635D5E8777BE}"/>
+                  <a16:creationId xmlns:a16="http://schemas.microsoft.com/office/drawing/2014/main" xmlns="" id="{F6C67529-412C-904A-B4C4-635D5E8777BE}"/>
                 </a:ext>
               </a:extLst>
             </p:cNvPr>
@@ -1781,7 +1783,7 @@
             <p:cNvPr id="10" name="矩形 9">
               <a:extLst>
                 <a:ext uri="{FF2B5EF4-FFF2-40B4-BE49-F238E27FC236}">
-                  <a16:creationId xmlns:a16="http://schemas.microsoft.com/office/drawing/2014/main" id="{38AEC1D5-3080-7144-BFB6-252B3F286BCC}"/>
+                  <a16:creationId xmlns:a16="http://schemas.microsoft.com/office/drawing/2014/main" xmlns="" id="{38AEC1D5-3080-7144-BFB6-252B3F286BCC}"/>
                 </a:ext>
               </a:extLst>
             </p:cNvPr>
@@ -1816,7 +1818,7 @@
             <p:cNvPr id="11" name="矩形 10">
               <a:extLst>
                 <a:ext uri="{FF2B5EF4-FFF2-40B4-BE49-F238E27FC236}">
-                  <a16:creationId xmlns:a16="http://schemas.microsoft.com/office/drawing/2014/main" id="{A00339C8-4F2B-9245-A4BA-DDB8C27F2319}"/>
+                  <a16:creationId xmlns:a16="http://schemas.microsoft.com/office/drawing/2014/main" xmlns="" id="{A00339C8-4F2B-9245-A4BA-DDB8C27F2319}"/>
                 </a:ext>
               </a:extLst>
             </p:cNvPr>
@@ -1851,7 +1853,7 @@
             <p:cNvPr id="12" name="矩形 11">
               <a:extLst>
                 <a:ext uri="{FF2B5EF4-FFF2-40B4-BE49-F238E27FC236}">
-                  <a16:creationId xmlns:a16="http://schemas.microsoft.com/office/drawing/2014/main" id="{9D297478-0DCD-1A43-815C-1EE4757F3B40}"/>
+                  <a16:creationId xmlns:a16="http://schemas.microsoft.com/office/drawing/2014/main" xmlns="" id="{9D297478-0DCD-1A43-815C-1EE4757F3B40}"/>
                 </a:ext>
               </a:extLst>
             </p:cNvPr>
@@ -1887,7 +1889,7 @@
           <p:cNvPr id="17" name="直线箭头连接符 16">
             <a:extLst>
               <a:ext uri="{FF2B5EF4-FFF2-40B4-BE49-F238E27FC236}">
-                <a16:creationId xmlns:a16="http://schemas.microsoft.com/office/drawing/2014/main" id="{538C0D56-4920-DD4F-B2D7-6763382C9FFB}"/>
+                <a16:creationId xmlns:a16="http://schemas.microsoft.com/office/drawing/2014/main" xmlns="" id="{538C0D56-4920-DD4F-B2D7-6763382C9FFB}"/>
               </a:ext>
             </a:extLst>
           </p:cNvPr>
@@ -1931,7 +1933,7 @@
           <p:cNvPr id="18" name="直线箭头连接符 17">
             <a:extLst>
               <a:ext uri="{FF2B5EF4-FFF2-40B4-BE49-F238E27FC236}">
-                <a16:creationId xmlns:a16="http://schemas.microsoft.com/office/drawing/2014/main" id="{E8C03724-8066-FD40-927E-8E14EF1C9DE0}"/>
+                <a16:creationId xmlns:a16="http://schemas.microsoft.com/office/drawing/2014/main" xmlns="" id="{E8C03724-8066-FD40-927E-8E14EF1C9DE0}"/>
               </a:ext>
             </a:extLst>
           </p:cNvPr>
@@ -1975,7 +1977,7 @@
           <p:cNvPr id="20" name="矩形 19">
             <a:extLst>
               <a:ext uri="{FF2B5EF4-FFF2-40B4-BE49-F238E27FC236}">
-                <a16:creationId xmlns:a16="http://schemas.microsoft.com/office/drawing/2014/main" id="{59CA472F-2D9D-9D43-B452-E5D37038D59A}"/>
+                <a16:creationId xmlns:a16="http://schemas.microsoft.com/office/drawing/2014/main" xmlns="" id="{59CA472F-2D9D-9D43-B452-E5D37038D59A}"/>
               </a:ext>
             </a:extLst>
           </p:cNvPr>
@@ -2075,7 +2077,7 @@
           <p:cNvPr id="21" name="文本框 20">
             <a:extLst>
               <a:ext uri="{FF2B5EF4-FFF2-40B4-BE49-F238E27FC236}">
-                <a16:creationId xmlns:a16="http://schemas.microsoft.com/office/drawing/2014/main" id="{6109765F-E436-B04D-9F83-FE2E1541B68A}"/>
+                <a16:creationId xmlns:a16="http://schemas.microsoft.com/office/drawing/2014/main" xmlns="" id="{6109765F-E436-B04D-9F83-FE2E1541B68A}"/>
               </a:ext>
             </a:extLst>
           </p:cNvPr>
@@ -2133,7 +2135,7 @@
           <p:cNvPr id="22" name="矩形 21">
             <a:extLst>
               <a:ext uri="{FF2B5EF4-FFF2-40B4-BE49-F238E27FC236}">
-                <a16:creationId xmlns:a16="http://schemas.microsoft.com/office/drawing/2014/main" id="{4B219406-7BD6-0847-94B9-0F2D8AD41CD7}"/>
+                <a16:creationId xmlns:a16="http://schemas.microsoft.com/office/drawing/2014/main" xmlns="" id="{4B219406-7BD6-0847-94B9-0F2D8AD41CD7}"/>
               </a:ext>
             </a:extLst>
           </p:cNvPr>
@@ -2227,7 +2229,7 @@
     </p:spTree>
     <p:extLst>
       <p:ext uri="{BB962C8B-B14F-4D97-AF65-F5344CB8AC3E}">
-        <p14:creationId xmlns:p14="http://schemas.microsoft.com/office/powerpoint/2010/main" val="1534991751"/>
+        <p14:creationId xmlns:p14="http://schemas.microsoft.com/office/powerpoint/2010/main" xmlns="" val="1534991751"/>
       </p:ext>
     </p:extLst>
   </p:cSld>
@@ -2259,7 +2261,7 @@
           <p:cNvPr id="2" name="图片 1">
             <a:extLst>
               <a:ext uri="{FF2B5EF4-FFF2-40B4-BE49-F238E27FC236}">
-                <a16:creationId xmlns:a16="http://schemas.microsoft.com/office/drawing/2014/main" id="{D38D36D2-2892-E344-B1DC-86D4E4747D44}"/>
+                <a16:creationId xmlns:a16="http://schemas.microsoft.com/office/drawing/2014/main" xmlns="" id="{D38D36D2-2892-E344-B1DC-86D4E4747D44}"/>
               </a:ext>
             </a:extLst>
           </p:cNvPr>
@@ -2289,7 +2291,7 @@
           <p:cNvPr id="3" name="组合 2">
             <a:extLst>
               <a:ext uri="{FF2B5EF4-FFF2-40B4-BE49-F238E27FC236}">
-                <a16:creationId xmlns:a16="http://schemas.microsoft.com/office/drawing/2014/main" id="{1C2014AD-3AAF-B940-8055-4E1C16D70AAC}"/>
+                <a16:creationId xmlns:a16="http://schemas.microsoft.com/office/drawing/2014/main" xmlns="" id="{1C2014AD-3AAF-B940-8055-4E1C16D70AAC}"/>
               </a:ext>
             </a:extLst>
           </p:cNvPr>
@@ -2309,7 +2311,7 @@
             <p:cNvPr id="4" name="直线箭头连接符 3">
               <a:extLst>
                 <a:ext uri="{FF2B5EF4-FFF2-40B4-BE49-F238E27FC236}">
-                  <a16:creationId xmlns:a16="http://schemas.microsoft.com/office/drawing/2014/main" id="{E04C804D-D214-EF44-A883-55F019AA2643}"/>
+                  <a16:creationId xmlns:a16="http://schemas.microsoft.com/office/drawing/2014/main" xmlns="" id="{E04C804D-D214-EF44-A883-55F019AA2643}"/>
                 </a:ext>
               </a:extLst>
             </p:cNvPr>
@@ -2353,7 +2355,7 @@
             <p:cNvPr id="5" name="直线箭头连接符 4">
               <a:extLst>
                 <a:ext uri="{FF2B5EF4-FFF2-40B4-BE49-F238E27FC236}">
-                  <a16:creationId xmlns:a16="http://schemas.microsoft.com/office/drawing/2014/main" id="{9DAED1B9-9125-CC4B-A86B-75ACCDFD0918}"/>
+                  <a16:creationId xmlns:a16="http://schemas.microsoft.com/office/drawing/2014/main" xmlns="" id="{9DAED1B9-9125-CC4B-A86B-75ACCDFD0918}"/>
                 </a:ext>
               </a:extLst>
             </p:cNvPr>
@@ -2397,7 +2399,7 @@
             <p:cNvPr id="6" name="直线箭头连接符 5">
               <a:extLst>
                 <a:ext uri="{FF2B5EF4-FFF2-40B4-BE49-F238E27FC236}">
-                  <a16:creationId xmlns:a16="http://schemas.microsoft.com/office/drawing/2014/main" id="{B7E6ADF5-8BCA-B746-AFEF-7E1D035C14AF}"/>
+                  <a16:creationId xmlns:a16="http://schemas.microsoft.com/office/drawing/2014/main" xmlns="" id="{B7E6ADF5-8BCA-B746-AFEF-7E1D035C14AF}"/>
                 </a:ext>
               </a:extLst>
             </p:cNvPr>
@@ -2441,7 +2443,7 @@
             <p:cNvPr id="7" name="直线箭头连接符 6">
               <a:extLst>
                 <a:ext uri="{FF2B5EF4-FFF2-40B4-BE49-F238E27FC236}">
-                  <a16:creationId xmlns:a16="http://schemas.microsoft.com/office/drawing/2014/main" id="{517880D0-486A-1D45-A206-1597A42452CF}"/>
+                  <a16:creationId xmlns:a16="http://schemas.microsoft.com/office/drawing/2014/main" xmlns="" id="{517880D0-486A-1D45-A206-1597A42452CF}"/>
                 </a:ext>
               </a:extLst>
             </p:cNvPr>
@@ -2485,7 +2487,7 @@
             <p:cNvPr id="8" name="文本框 7">
               <a:extLst>
                 <a:ext uri="{FF2B5EF4-FFF2-40B4-BE49-F238E27FC236}">
-                  <a16:creationId xmlns:a16="http://schemas.microsoft.com/office/drawing/2014/main" id="{41143842-8F30-614C-AE04-F7F24EEFA6F3}"/>
+                  <a16:creationId xmlns:a16="http://schemas.microsoft.com/office/drawing/2014/main" xmlns="" id="{41143842-8F30-614C-AE04-F7F24EEFA6F3}"/>
                 </a:ext>
               </a:extLst>
             </p:cNvPr>
@@ -2555,7 +2557,7 @@
             <p:cNvPr id="9" name="矩形 8">
               <a:extLst>
                 <a:ext uri="{FF2B5EF4-FFF2-40B4-BE49-F238E27FC236}">
-                  <a16:creationId xmlns:a16="http://schemas.microsoft.com/office/drawing/2014/main" id="{F6C67529-412C-904A-B4C4-635D5E8777BE}"/>
+                  <a16:creationId xmlns:a16="http://schemas.microsoft.com/office/drawing/2014/main" xmlns="" id="{F6C67529-412C-904A-B4C4-635D5E8777BE}"/>
                 </a:ext>
               </a:extLst>
             </p:cNvPr>
@@ -2590,7 +2592,7 @@
             <p:cNvPr id="10" name="矩形 9">
               <a:extLst>
                 <a:ext uri="{FF2B5EF4-FFF2-40B4-BE49-F238E27FC236}">
-                  <a16:creationId xmlns:a16="http://schemas.microsoft.com/office/drawing/2014/main" id="{38AEC1D5-3080-7144-BFB6-252B3F286BCC}"/>
+                  <a16:creationId xmlns:a16="http://schemas.microsoft.com/office/drawing/2014/main" xmlns="" id="{38AEC1D5-3080-7144-BFB6-252B3F286BCC}"/>
                 </a:ext>
               </a:extLst>
             </p:cNvPr>
@@ -2625,7 +2627,7 @@
             <p:cNvPr id="11" name="矩形 10">
               <a:extLst>
                 <a:ext uri="{FF2B5EF4-FFF2-40B4-BE49-F238E27FC236}">
-                  <a16:creationId xmlns:a16="http://schemas.microsoft.com/office/drawing/2014/main" id="{A00339C8-4F2B-9245-A4BA-DDB8C27F2319}"/>
+                  <a16:creationId xmlns:a16="http://schemas.microsoft.com/office/drawing/2014/main" xmlns="" id="{A00339C8-4F2B-9245-A4BA-DDB8C27F2319}"/>
                 </a:ext>
               </a:extLst>
             </p:cNvPr>
@@ -2660,7 +2662,7 @@
             <p:cNvPr id="12" name="矩形 11">
               <a:extLst>
                 <a:ext uri="{FF2B5EF4-FFF2-40B4-BE49-F238E27FC236}">
-                  <a16:creationId xmlns:a16="http://schemas.microsoft.com/office/drawing/2014/main" id="{9D297478-0DCD-1A43-815C-1EE4757F3B40}"/>
+                  <a16:creationId xmlns:a16="http://schemas.microsoft.com/office/drawing/2014/main" xmlns="" id="{9D297478-0DCD-1A43-815C-1EE4757F3B40}"/>
                 </a:ext>
               </a:extLst>
             </p:cNvPr>
@@ -2696,7 +2698,7 @@
           <p:cNvPr id="17" name="直线箭头连接符 16">
             <a:extLst>
               <a:ext uri="{FF2B5EF4-FFF2-40B4-BE49-F238E27FC236}">
-                <a16:creationId xmlns:a16="http://schemas.microsoft.com/office/drawing/2014/main" id="{538C0D56-4920-DD4F-B2D7-6763382C9FFB}"/>
+                <a16:creationId xmlns:a16="http://schemas.microsoft.com/office/drawing/2014/main" xmlns="" id="{538C0D56-4920-DD4F-B2D7-6763382C9FFB}"/>
               </a:ext>
             </a:extLst>
           </p:cNvPr>
@@ -2740,7 +2742,7 @@
           <p:cNvPr id="18" name="直线箭头连接符 17">
             <a:extLst>
               <a:ext uri="{FF2B5EF4-FFF2-40B4-BE49-F238E27FC236}">
-                <a16:creationId xmlns:a16="http://schemas.microsoft.com/office/drawing/2014/main" id="{E8C03724-8066-FD40-927E-8E14EF1C9DE0}"/>
+                <a16:creationId xmlns:a16="http://schemas.microsoft.com/office/drawing/2014/main" xmlns="" id="{E8C03724-8066-FD40-927E-8E14EF1C9DE0}"/>
               </a:ext>
             </a:extLst>
           </p:cNvPr>
@@ -2784,7 +2786,7 @@
           <p:cNvPr id="19" name="文本框 18">
             <a:extLst>
               <a:ext uri="{FF2B5EF4-FFF2-40B4-BE49-F238E27FC236}">
-                <a16:creationId xmlns:a16="http://schemas.microsoft.com/office/drawing/2014/main" id="{C6FBE480-49E9-5D47-8214-1868C8B254B7}"/>
+                <a16:creationId xmlns:a16="http://schemas.microsoft.com/office/drawing/2014/main" xmlns="" id="{C6FBE480-49E9-5D47-8214-1868C8B254B7}"/>
               </a:ext>
             </a:extLst>
           </p:cNvPr>
@@ -2842,7 +2844,7 @@
           <p:cNvPr id="21" name="矩形 20">
             <a:extLst>
               <a:ext uri="{FF2B5EF4-FFF2-40B4-BE49-F238E27FC236}">
-                <a16:creationId xmlns:a16="http://schemas.microsoft.com/office/drawing/2014/main" id="{B7BC83DE-9662-CD43-9DF7-FB81376C70BD}"/>
+                <a16:creationId xmlns:a16="http://schemas.microsoft.com/office/drawing/2014/main" xmlns="" id="{B7BC83DE-9662-CD43-9DF7-FB81376C70BD}"/>
               </a:ext>
             </a:extLst>
           </p:cNvPr>
@@ -2936,7 +2938,7 @@
     </p:spTree>
     <p:extLst>
       <p:ext uri="{BB962C8B-B14F-4D97-AF65-F5344CB8AC3E}">
-        <p14:creationId xmlns:p14="http://schemas.microsoft.com/office/powerpoint/2010/main" val="126495545"/>
+        <p14:creationId xmlns:p14="http://schemas.microsoft.com/office/powerpoint/2010/main" xmlns="" val="126495545"/>
       </p:ext>
     </p:extLst>
   </p:cSld>
@@ -2968,7 +2970,7 @@
           <p:cNvPr id="2" name="图片 1">
             <a:extLst>
               <a:ext uri="{FF2B5EF4-FFF2-40B4-BE49-F238E27FC236}">
-                <a16:creationId xmlns:a16="http://schemas.microsoft.com/office/drawing/2014/main" id="{80863F35-2A22-2C45-A13D-65963E4EA8B8}"/>
+                <a16:creationId xmlns:a16="http://schemas.microsoft.com/office/drawing/2014/main" xmlns="" id="{80863F35-2A22-2C45-A13D-65963E4EA8B8}"/>
               </a:ext>
             </a:extLst>
           </p:cNvPr>
@@ -2998,7 +3000,7 @@
           <p:cNvPr id="3" name="组合 2">
             <a:extLst>
               <a:ext uri="{FF2B5EF4-FFF2-40B4-BE49-F238E27FC236}">
-                <a16:creationId xmlns:a16="http://schemas.microsoft.com/office/drawing/2014/main" id="{FC30F6B3-95BB-4340-9BB3-259BFA91E909}"/>
+                <a16:creationId xmlns:a16="http://schemas.microsoft.com/office/drawing/2014/main" xmlns="" id="{FC30F6B3-95BB-4340-9BB3-259BFA91E909}"/>
               </a:ext>
             </a:extLst>
           </p:cNvPr>
@@ -3018,7 +3020,7 @@
             <p:cNvPr id="4" name="直线箭头连接符 3">
               <a:extLst>
                 <a:ext uri="{FF2B5EF4-FFF2-40B4-BE49-F238E27FC236}">
-                  <a16:creationId xmlns:a16="http://schemas.microsoft.com/office/drawing/2014/main" id="{884AA0C3-8C02-4147-A75B-8E5F6E8C9F32}"/>
+                  <a16:creationId xmlns:a16="http://schemas.microsoft.com/office/drawing/2014/main" xmlns="" id="{884AA0C3-8C02-4147-A75B-8E5F6E8C9F32}"/>
                 </a:ext>
               </a:extLst>
             </p:cNvPr>
@@ -3062,7 +3064,7 @@
             <p:cNvPr id="5" name="直线箭头连接符 4">
               <a:extLst>
                 <a:ext uri="{FF2B5EF4-FFF2-40B4-BE49-F238E27FC236}">
-                  <a16:creationId xmlns:a16="http://schemas.microsoft.com/office/drawing/2014/main" id="{B87E7A4E-FAA6-5249-8371-A0545951B9B9}"/>
+                  <a16:creationId xmlns:a16="http://schemas.microsoft.com/office/drawing/2014/main" xmlns="" id="{B87E7A4E-FAA6-5249-8371-A0545951B9B9}"/>
                 </a:ext>
               </a:extLst>
             </p:cNvPr>
@@ -3106,7 +3108,7 @@
             <p:cNvPr id="6" name="直线箭头连接符 5">
               <a:extLst>
                 <a:ext uri="{FF2B5EF4-FFF2-40B4-BE49-F238E27FC236}">
-                  <a16:creationId xmlns:a16="http://schemas.microsoft.com/office/drawing/2014/main" id="{9AA25751-70F8-4E43-9E19-B8A98F9F1DE1}"/>
+                  <a16:creationId xmlns:a16="http://schemas.microsoft.com/office/drawing/2014/main" xmlns="" id="{9AA25751-70F8-4E43-9E19-B8A98F9F1DE1}"/>
                 </a:ext>
               </a:extLst>
             </p:cNvPr>
@@ -3150,7 +3152,7 @@
             <p:cNvPr id="7" name="直线箭头连接符 6">
               <a:extLst>
                 <a:ext uri="{FF2B5EF4-FFF2-40B4-BE49-F238E27FC236}">
-                  <a16:creationId xmlns:a16="http://schemas.microsoft.com/office/drawing/2014/main" id="{BC90786B-0CAC-2546-A8BB-5747206EF4E3}"/>
+                  <a16:creationId xmlns:a16="http://schemas.microsoft.com/office/drawing/2014/main" xmlns="" id="{BC90786B-0CAC-2546-A8BB-5747206EF4E3}"/>
                 </a:ext>
               </a:extLst>
             </p:cNvPr>
@@ -3194,7 +3196,7 @@
             <p:cNvPr id="8" name="文本框 7">
               <a:extLst>
                 <a:ext uri="{FF2B5EF4-FFF2-40B4-BE49-F238E27FC236}">
-                  <a16:creationId xmlns:a16="http://schemas.microsoft.com/office/drawing/2014/main" id="{9C32E104-47A3-054C-9345-95DD527DBADF}"/>
+                  <a16:creationId xmlns:a16="http://schemas.microsoft.com/office/drawing/2014/main" xmlns="" id="{9C32E104-47A3-054C-9345-95DD527DBADF}"/>
                 </a:ext>
               </a:extLst>
             </p:cNvPr>
@@ -3264,7 +3266,7 @@
             <p:cNvPr id="9" name="矩形 8">
               <a:extLst>
                 <a:ext uri="{FF2B5EF4-FFF2-40B4-BE49-F238E27FC236}">
-                  <a16:creationId xmlns:a16="http://schemas.microsoft.com/office/drawing/2014/main" id="{27E75678-4E6A-A642-AA83-ED44D325902F}"/>
+                  <a16:creationId xmlns:a16="http://schemas.microsoft.com/office/drawing/2014/main" xmlns="" id="{27E75678-4E6A-A642-AA83-ED44D325902F}"/>
                 </a:ext>
               </a:extLst>
             </p:cNvPr>
@@ -3299,7 +3301,7 @@
             <p:cNvPr id="10" name="矩形 9">
               <a:extLst>
                 <a:ext uri="{FF2B5EF4-FFF2-40B4-BE49-F238E27FC236}">
-                  <a16:creationId xmlns:a16="http://schemas.microsoft.com/office/drawing/2014/main" id="{F45F2713-1A92-BA48-8515-1B55DD3BAD69}"/>
+                  <a16:creationId xmlns:a16="http://schemas.microsoft.com/office/drawing/2014/main" xmlns="" id="{F45F2713-1A92-BA48-8515-1B55DD3BAD69}"/>
                 </a:ext>
               </a:extLst>
             </p:cNvPr>
@@ -3334,7 +3336,7 @@
             <p:cNvPr id="11" name="矩形 10">
               <a:extLst>
                 <a:ext uri="{FF2B5EF4-FFF2-40B4-BE49-F238E27FC236}">
-                  <a16:creationId xmlns:a16="http://schemas.microsoft.com/office/drawing/2014/main" id="{47F124DB-6195-FF4A-A18B-583CAF99A5E5}"/>
+                  <a16:creationId xmlns:a16="http://schemas.microsoft.com/office/drawing/2014/main" xmlns="" id="{47F124DB-6195-FF4A-A18B-583CAF99A5E5}"/>
                 </a:ext>
               </a:extLst>
             </p:cNvPr>
@@ -3369,7 +3371,7 @@
             <p:cNvPr id="12" name="矩形 11">
               <a:extLst>
                 <a:ext uri="{FF2B5EF4-FFF2-40B4-BE49-F238E27FC236}">
-                  <a16:creationId xmlns:a16="http://schemas.microsoft.com/office/drawing/2014/main" id="{64389C97-F301-AD48-8214-2BC4B329CAC8}"/>
+                  <a16:creationId xmlns:a16="http://schemas.microsoft.com/office/drawing/2014/main" xmlns="" id="{64389C97-F301-AD48-8214-2BC4B329CAC8}"/>
                 </a:ext>
               </a:extLst>
             </p:cNvPr>
@@ -3405,7 +3407,7 @@
           <p:cNvPr id="13" name="直线箭头连接符 12">
             <a:extLst>
               <a:ext uri="{FF2B5EF4-FFF2-40B4-BE49-F238E27FC236}">
-                <a16:creationId xmlns:a16="http://schemas.microsoft.com/office/drawing/2014/main" id="{E60FE834-E9CB-7E42-B5CD-D0D4C113777C}"/>
+                <a16:creationId xmlns:a16="http://schemas.microsoft.com/office/drawing/2014/main" xmlns="" id="{E60FE834-E9CB-7E42-B5CD-D0D4C113777C}"/>
               </a:ext>
             </a:extLst>
           </p:cNvPr>
@@ -3449,7 +3451,7 @@
           <p:cNvPr id="14" name="直线箭头连接符 13">
             <a:extLst>
               <a:ext uri="{FF2B5EF4-FFF2-40B4-BE49-F238E27FC236}">
-                <a16:creationId xmlns:a16="http://schemas.microsoft.com/office/drawing/2014/main" id="{A2B04EEF-4AD3-9F41-B2E9-2540A4907316}"/>
+                <a16:creationId xmlns:a16="http://schemas.microsoft.com/office/drawing/2014/main" xmlns="" id="{A2B04EEF-4AD3-9F41-B2E9-2540A4907316}"/>
               </a:ext>
             </a:extLst>
           </p:cNvPr>
@@ -3493,7 +3495,7 @@
           <p:cNvPr id="16" name="文本框 15">
             <a:extLst>
               <a:ext uri="{FF2B5EF4-FFF2-40B4-BE49-F238E27FC236}">
-                <a16:creationId xmlns:a16="http://schemas.microsoft.com/office/drawing/2014/main" id="{6A988458-4996-4E4B-A584-E5A268B18602}"/>
+                <a16:creationId xmlns:a16="http://schemas.microsoft.com/office/drawing/2014/main" xmlns="" id="{6A988458-4996-4E4B-A584-E5A268B18602}"/>
               </a:ext>
             </a:extLst>
           </p:cNvPr>
@@ -3532,7 +3534,7 @@
           <p:cNvPr id="17" name="文本框 16">
             <a:extLst>
               <a:ext uri="{FF2B5EF4-FFF2-40B4-BE49-F238E27FC236}">
-                <a16:creationId xmlns:a16="http://schemas.microsoft.com/office/drawing/2014/main" id="{5FD1EF5D-3BBE-A541-A4AA-BD149D5EE688}"/>
+                <a16:creationId xmlns:a16="http://schemas.microsoft.com/office/drawing/2014/main" xmlns="" id="{5FD1EF5D-3BBE-A541-A4AA-BD149D5EE688}"/>
               </a:ext>
             </a:extLst>
           </p:cNvPr>
@@ -3590,7 +3592,7 @@
           <p:cNvPr id="18" name="矩形 17">
             <a:extLst>
               <a:ext uri="{FF2B5EF4-FFF2-40B4-BE49-F238E27FC236}">
-                <a16:creationId xmlns:a16="http://schemas.microsoft.com/office/drawing/2014/main" id="{9BB8B75B-D7E9-604D-9F49-A19DA9EB7941}"/>
+                <a16:creationId xmlns:a16="http://schemas.microsoft.com/office/drawing/2014/main" xmlns="" id="{9BB8B75B-D7E9-604D-9F49-A19DA9EB7941}"/>
               </a:ext>
             </a:extLst>
           </p:cNvPr>
@@ -3684,7 +3686,7 @@
     </p:spTree>
     <p:extLst>
       <p:ext uri="{BB962C8B-B14F-4D97-AF65-F5344CB8AC3E}">
-        <p14:creationId xmlns:p14="http://schemas.microsoft.com/office/powerpoint/2010/main" val="2550039878"/>
+        <p14:creationId xmlns:p14="http://schemas.microsoft.com/office/powerpoint/2010/main" xmlns="" val="2550039878"/>
       </p:ext>
     </p:extLst>
   </p:cSld>
@@ -3716,7 +3718,7 @@
           <p:cNvPr id="2" name="图片 1">
             <a:extLst>
               <a:ext uri="{FF2B5EF4-FFF2-40B4-BE49-F238E27FC236}">
-                <a16:creationId xmlns:a16="http://schemas.microsoft.com/office/drawing/2014/main" id="{6B65D4CE-186B-FC4E-B4A5-46D207B3E233}"/>
+                <a16:creationId xmlns:a16="http://schemas.microsoft.com/office/drawing/2014/main" xmlns="" id="{6B65D4CE-186B-FC4E-B4A5-46D207B3E233}"/>
               </a:ext>
             </a:extLst>
           </p:cNvPr>
@@ -3746,7 +3748,7 @@
           <p:cNvPr id="3" name="组合 2">
             <a:extLst>
               <a:ext uri="{FF2B5EF4-FFF2-40B4-BE49-F238E27FC236}">
-                <a16:creationId xmlns:a16="http://schemas.microsoft.com/office/drawing/2014/main" id="{EB64D88F-64CC-6048-BE91-F8879A3E6FFF}"/>
+                <a16:creationId xmlns:a16="http://schemas.microsoft.com/office/drawing/2014/main" xmlns="" id="{EB64D88F-64CC-6048-BE91-F8879A3E6FFF}"/>
               </a:ext>
             </a:extLst>
           </p:cNvPr>
@@ -3766,7 +3768,7 @@
             <p:cNvPr id="4" name="直线箭头连接符 3">
               <a:extLst>
                 <a:ext uri="{FF2B5EF4-FFF2-40B4-BE49-F238E27FC236}">
-                  <a16:creationId xmlns:a16="http://schemas.microsoft.com/office/drawing/2014/main" id="{78D50485-8165-B34F-86D8-9703235A9A8B}"/>
+                  <a16:creationId xmlns:a16="http://schemas.microsoft.com/office/drawing/2014/main" xmlns="" id="{78D50485-8165-B34F-86D8-9703235A9A8B}"/>
                 </a:ext>
               </a:extLst>
             </p:cNvPr>
@@ -3810,7 +3812,7 @@
             <p:cNvPr id="5" name="直线箭头连接符 4">
               <a:extLst>
                 <a:ext uri="{FF2B5EF4-FFF2-40B4-BE49-F238E27FC236}">
-                  <a16:creationId xmlns:a16="http://schemas.microsoft.com/office/drawing/2014/main" id="{9EA50744-FBFE-024D-95B0-EBE5F270EA00}"/>
+                  <a16:creationId xmlns:a16="http://schemas.microsoft.com/office/drawing/2014/main" xmlns="" id="{9EA50744-FBFE-024D-95B0-EBE5F270EA00}"/>
                 </a:ext>
               </a:extLst>
             </p:cNvPr>
@@ -3854,7 +3856,7 @@
             <p:cNvPr id="6" name="直线箭头连接符 5">
               <a:extLst>
                 <a:ext uri="{FF2B5EF4-FFF2-40B4-BE49-F238E27FC236}">
-                  <a16:creationId xmlns:a16="http://schemas.microsoft.com/office/drawing/2014/main" id="{ED5ED4DA-1C12-4F45-BA6F-AE750CB999D1}"/>
+                  <a16:creationId xmlns:a16="http://schemas.microsoft.com/office/drawing/2014/main" xmlns="" id="{ED5ED4DA-1C12-4F45-BA6F-AE750CB999D1}"/>
                 </a:ext>
               </a:extLst>
             </p:cNvPr>
@@ -3898,7 +3900,7 @@
             <p:cNvPr id="7" name="直线箭头连接符 6">
               <a:extLst>
                 <a:ext uri="{FF2B5EF4-FFF2-40B4-BE49-F238E27FC236}">
-                  <a16:creationId xmlns:a16="http://schemas.microsoft.com/office/drawing/2014/main" id="{5D9152E9-51A8-2641-B50E-F08C7047B5F1}"/>
+                  <a16:creationId xmlns:a16="http://schemas.microsoft.com/office/drawing/2014/main" xmlns="" id="{5D9152E9-51A8-2641-B50E-F08C7047B5F1}"/>
                 </a:ext>
               </a:extLst>
             </p:cNvPr>
@@ -3942,7 +3944,7 @@
             <p:cNvPr id="8" name="文本框 7">
               <a:extLst>
                 <a:ext uri="{FF2B5EF4-FFF2-40B4-BE49-F238E27FC236}">
-                  <a16:creationId xmlns:a16="http://schemas.microsoft.com/office/drawing/2014/main" id="{83C90616-AEDF-8040-93C6-7EF4213D3585}"/>
+                  <a16:creationId xmlns:a16="http://schemas.microsoft.com/office/drawing/2014/main" xmlns="" id="{83C90616-AEDF-8040-93C6-7EF4213D3585}"/>
                 </a:ext>
               </a:extLst>
             </p:cNvPr>
@@ -4012,7 +4014,7 @@
             <p:cNvPr id="9" name="矩形 8">
               <a:extLst>
                 <a:ext uri="{FF2B5EF4-FFF2-40B4-BE49-F238E27FC236}">
-                  <a16:creationId xmlns:a16="http://schemas.microsoft.com/office/drawing/2014/main" id="{9A05A62E-56E4-9F4E-8B9B-34F5A0B274E1}"/>
+                  <a16:creationId xmlns:a16="http://schemas.microsoft.com/office/drawing/2014/main" xmlns="" id="{9A05A62E-56E4-9F4E-8B9B-34F5A0B274E1}"/>
                 </a:ext>
               </a:extLst>
             </p:cNvPr>
@@ -4047,7 +4049,7 @@
             <p:cNvPr id="10" name="矩形 9">
               <a:extLst>
                 <a:ext uri="{FF2B5EF4-FFF2-40B4-BE49-F238E27FC236}">
-                  <a16:creationId xmlns:a16="http://schemas.microsoft.com/office/drawing/2014/main" id="{B535F4B0-F9D3-EA4E-8C14-7BFF4D3EC051}"/>
+                  <a16:creationId xmlns:a16="http://schemas.microsoft.com/office/drawing/2014/main" xmlns="" id="{B535F4B0-F9D3-EA4E-8C14-7BFF4D3EC051}"/>
                 </a:ext>
               </a:extLst>
             </p:cNvPr>
@@ -4082,7 +4084,7 @@
             <p:cNvPr id="11" name="矩形 10">
               <a:extLst>
                 <a:ext uri="{FF2B5EF4-FFF2-40B4-BE49-F238E27FC236}">
-                  <a16:creationId xmlns:a16="http://schemas.microsoft.com/office/drawing/2014/main" id="{69C3A1DE-FA21-F942-852A-07C8A3FB3C97}"/>
+                  <a16:creationId xmlns:a16="http://schemas.microsoft.com/office/drawing/2014/main" xmlns="" id="{69C3A1DE-FA21-F942-852A-07C8A3FB3C97}"/>
                 </a:ext>
               </a:extLst>
             </p:cNvPr>
@@ -4117,7 +4119,7 @@
             <p:cNvPr id="12" name="矩形 11">
               <a:extLst>
                 <a:ext uri="{FF2B5EF4-FFF2-40B4-BE49-F238E27FC236}">
-                  <a16:creationId xmlns:a16="http://schemas.microsoft.com/office/drawing/2014/main" id="{A7DAE113-E820-634A-9474-8D9E328BF73C}"/>
+                  <a16:creationId xmlns:a16="http://schemas.microsoft.com/office/drawing/2014/main" xmlns="" id="{A7DAE113-E820-634A-9474-8D9E328BF73C}"/>
                 </a:ext>
               </a:extLst>
             </p:cNvPr>
@@ -4153,7 +4155,7 @@
           <p:cNvPr id="13" name="直线箭头连接符 12">
             <a:extLst>
               <a:ext uri="{FF2B5EF4-FFF2-40B4-BE49-F238E27FC236}">
-                <a16:creationId xmlns:a16="http://schemas.microsoft.com/office/drawing/2014/main" id="{470B0842-4619-774F-BB78-8A6DC3F36154}"/>
+                <a16:creationId xmlns:a16="http://schemas.microsoft.com/office/drawing/2014/main" xmlns="" id="{470B0842-4619-774F-BB78-8A6DC3F36154}"/>
               </a:ext>
             </a:extLst>
           </p:cNvPr>
@@ -4197,7 +4199,7 @@
           <p:cNvPr id="14" name="直线箭头连接符 13">
             <a:extLst>
               <a:ext uri="{FF2B5EF4-FFF2-40B4-BE49-F238E27FC236}">
-                <a16:creationId xmlns:a16="http://schemas.microsoft.com/office/drawing/2014/main" id="{A1B22CBC-23D9-7149-9FDA-2F682988C3F2}"/>
+                <a16:creationId xmlns:a16="http://schemas.microsoft.com/office/drawing/2014/main" xmlns="" id="{A1B22CBC-23D9-7149-9FDA-2F682988C3F2}"/>
               </a:ext>
             </a:extLst>
           </p:cNvPr>
@@ -4241,7 +4243,7 @@
           <p:cNvPr id="16" name="文本框 15">
             <a:extLst>
               <a:ext uri="{FF2B5EF4-FFF2-40B4-BE49-F238E27FC236}">
-                <a16:creationId xmlns:a16="http://schemas.microsoft.com/office/drawing/2014/main" id="{DF73C53D-DD5D-DE46-9071-5AD05A9F9EB7}"/>
+                <a16:creationId xmlns:a16="http://schemas.microsoft.com/office/drawing/2014/main" xmlns="" id="{DF73C53D-DD5D-DE46-9071-5AD05A9F9EB7}"/>
               </a:ext>
             </a:extLst>
           </p:cNvPr>
@@ -4280,7 +4282,7 @@
           <p:cNvPr id="20" name="文本框 19">
             <a:extLst>
               <a:ext uri="{FF2B5EF4-FFF2-40B4-BE49-F238E27FC236}">
-                <a16:creationId xmlns:a16="http://schemas.microsoft.com/office/drawing/2014/main" id="{F856D66F-5F6D-2540-AD79-39A11BED7FB6}"/>
+                <a16:creationId xmlns:a16="http://schemas.microsoft.com/office/drawing/2014/main" xmlns="" id="{F856D66F-5F6D-2540-AD79-39A11BED7FB6}"/>
               </a:ext>
             </a:extLst>
           </p:cNvPr>
@@ -4338,7 +4340,7 @@
           <p:cNvPr id="21" name="文本框 20">
             <a:extLst>
               <a:ext uri="{FF2B5EF4-FFF2-40B4-BE49-F238E27FC236}">
-                <a16:creationId xmlns:a16="http://schemas.microsoft.com/office/drawing/2014/main" id="{4F7E85DF-A2A6-DF47-AB77-E90B57548ED6}"/>
+                <a16:creationId xmlns:a16="http://schemas.microsoft.com/office/drawing/2014/main" xmlns="" id="{4F7E85DF-A2A6-DF47-AB77-E90B57548ED6}"/>
               </a:ext>
             </a:extLst>
           </p:cNvPr>
@@ -4462,7 +4464,7 @@
           <p:cNvPr id="22" name="矩形 21">
             <a:extLst>
               <a:ext uri="{FF2B5EF4-FFF2-40B4-BE49-F238E27FC236}">
-                <a16:creationId xmlns:a16="http://schemas.microsoft.com/office/drawing/2014/main" id="{09090EC2-BE94-134F-84DA-061D08770E36}"/>
+                <a16:creationId xmlns:a16="http://schemas.microsoft.com/office/drawing/2014/main" xmlns="" id="{09090EC2-BE94-134F-84DA-061D08770E36}"/>
               </a:ext>
             </a:extLst>
           </p:cNvPr>
@@ -4556,7 +4558,7 @@
     </p:spTree>
     <p:extLst>
       <p:ext uri="{BB962C8B-B14F-4D97-AF65-F5344CB8AC3E}">
-        <p14:creationId xmlns:p14="http://schemas.microsoft.com/office/powerpoint/2010/main" val="1286893822"/>
+        <p14:creationId xmlns:p14="http://schemas.microsoft.com/office/powerpoint/2010/main" xmlns="" val="1286893822"/>
       </p:ext>
     </p:extLst>
   </p:cSld>
@@ -4588,7 +4590,7 @@
           <p:cNvPr id="2" name="图片 1">
             <a:extLst>
               <a:ext uri="{FF2B5EF4-FFF2-40B4-BE49-F238E27FC236}">
-                <a16:creationId xmlns:a16="http://schemas.microsoft.com/office/drawing/2014/main" id="{748D603F-7072-4540-BFBF-141D992B10B9}"/>
+                <a16:creationId xmlns:a16="http://schemas.microsoft.com/office/drawing/2014/main" xmlns="" id="{748D603F-7072-4540-BFBF-141D992B10B9}"/>
               </a:ext>
             </a:extLst>
           </p:cNvPr>
@@ -4618,7 +4620,7 @@
           <p:cNvPr id="7" name="直线箭头连接符 6">
             <a:extLst>
               <a:ext uri="{FF2B5EF4-FFF2-40B4-BE49-F238E27FC236}">
-                <a16:creationId xmlns:a16="http://schemas.microsoft.com/office/drawing/2014/main" id="{F112F18D-265F-9943-AF34-F556F973CCAE}"/>
+                <a16:creationId xmlns:a16="http://schemas.microsoft.com/office/drawing/2014/main" xmlns="" id="{F112F18D-265F-9943-AF34-F556F973CCAE}"/>
               </a:ext>
             </a:extLst>
           </p:cNvPr>
@@ -4662,7 +4664,7 @@
           <p:cNvPr id="8" name="直线箭头连接符 7">
             <a:extLst>
               <a:ext uri="{FF2B5EF4-FFF2-40B4-BE49-F238E27FC236}">
-                <a16:creationId xmlns:a16="http://schemas.microsoft.com/office/drawing/2014/main" id="{B794A5D4-CEF0-7E47-AD1A-3799C66B2060}"/>
+                <a16:creationId xmlns:a16="http://schemas.microsoft.com/office/drawing/2014/main" xmlns="" id="{B794A5D4-CEF0-7E47-AD1A-3799C66B2060}"/>
               </a:ext>
             </a:extLst>
           </p:cNvPr>
@@ -4706,7 +4708,7 @@
           <p:cNvPr id="20" name="组合 19">
             <a:extLst>
               <a:ext uri="{FF2B5EF4-FFF2-40B4-BE49-F238E27FC236}">
-                <a16:creationId xmlns:a16="http://schemas.microsoft.com/office/drawing/2014/main" id="{8DF4D948-2F7A-D349-BB4A-3F1ACBA3662F}"/>
+                <a16:creationId xmlns:a16="http://schemas.microsoft.com/office/drawing/2014/main" xmlns="" id="{8DF4D948-2F7A-D349-BB4A-3F1ACBA3662F}"/>
               </a:ext>
             </a:extLst>
           </p:cNvPr>
@@ -4726,7 +4728,7 @@
             <p:cNvPr id="21" name="直线箭头连接符 20">
               <a:extLst>
                 <a:ext uri="{FF2B5EF4-FFF2-40B4-BE49-F238E27FC236}">
-                  <a16:creationId xmlns:a16="http://schemas.microsoft.com/office/drawing/2014/main" id="{36942435-4D2D-0E45-B490-6F8DE438D4E9}"/>
+                  <a16:creationId xmlns:a16="http://schemas.microsoft.com/office/drawing/2014/main" xmlns="" id="{36942435-4D2D-0E45-B490-6F8DE438D4E9}"/>
                 </a:ext>
               </a:extLst>
             </p:cNvPr>
@@ -4770,7 +4772,7 @@
             <p:cNvPr id="22" name="直线箭头连接符 21">
               <a:extLst>
                 <a:ext uri="{FF2B5EF4-FFF2-40B4-BE49-F238E27FC236}">
-                  <a16:creationId xmlns:a16="http://schemas.microsoft.com/office/drawing/2014/main" id="{5F4389B9-D375-B542-A6F3-F3038EBDD4CB}"/>
+                  <a16:creationId xmlns:a16="http://schemas.microsoft.com/office/drawing/2014/main" xmlns="" id="{5F4389B9-D375-B542-A6F3-F3038EBDD4CB}"/>
                 </a:ext>
               </a:extLst>
             </p:cNvPr>
@@ -4814,7 +4816,7 @@
             <p:cNvPr id="23" name="直线箭头连接符 22">
               <a:extLst>
                 <a:ext uri="{FF2B5EF4-FFF2-40B4-BE49-F238E27FC236}">
-                  <a16:creationId xmlns:a16="http://schemas.microsoft.com/office/drawing/2014/main" id="{7543D667-1DE7-0A47-9383-7C29F0E6F878}"/>
+                  <a16:creationId xmlns:a16="http://schemas.microsoft.com/office/drawing/2014/main" xmlns="" id="{7543D667-1DE7-0A47-9383-7C29F0E6F878}"/>
                 </a:ext>
               </a:extLst>
             </p:cNvPr>
@@ -4858,7 +4860,7 @@
             <p:cNvPr id="24" name="直线箭头连接符 23">
               <a:extLst>
                 <a:ext uri="{FF2B5EF4-FFF2-40B4-BE49-F238E27FC236}">
-                  <a16:creationId xmlns:a16="http://schemas.microsoft.com/office/drawing/2014/main" id="{3C221DBF-F4E2-0840-AE13-3DFE84CFB70F}"/>
+                  <a16:creationId xmlns:a16="http://schemas.microsoft.com/office/drawing/2014/main" xmlns="" id="{3C221DBF-F4E2-0840-AE13-3DFE84CFB70F}"/>
                 </a:ext>
               </a:extLst>
             </p:cNvPr>
@@ -4902,7 +4904,7 @@
             <p:cNvPr id="25" name="文本框 24">
               <a:extLst>
                 <a:ext uri="{FF2B5EF4-FFF2-40B4-BE49-F238E27FC236}">
-                  <a16:creationId xmlns:a16="http://schemas.microsoft.com/office/drawing/2014/main" id="{25F1739C-76AC-B243-ABB6-F87AD162105D}"/>
+                  <a16:creationId xmlns:a16="http://schemas.microsoft.com/office/drawing/2014/main" xmlns="" id="{25F1739C-76AC-B243-ABB6-F87AD162105D}"/>
                 </a:ext>
               </a:extLst>
             </p:cNvPr>
@@ -4972,7 +4974,7 @@
             <p:cNvPr id="26" name="矩形 25">
               <a:extLst>
                 <a:ext uri="{FF2B5EF4-FFF2-40B4-BE49-F238E27FC236}">
-                  <a16:creationId xmlns:a16="http://schemas.microsoft.com/office/drawing/2014/main" id="{890B0E22-CA6C-B843-8896-748F99F86142}"/>
+                  <a16:creationId xmlns:a16="http://schemas.microsoft.com/office/drawing/2014/main" xmlns="" id="{890B0E22-CA6C-B843-8896-748F99F86142}"/>
                 </a:ext>
               </a:extLst>
             </p:cNvPr>
@@ -5007,7 +5009,7 @@
             <p:cNvPr id="27" name="矩形 26">
               <a:extLst>
                 <a:ext uri="{FF2B5EF4-FFF2-40B4-BE49-F238E27FC236}">
-                  <a16:creationId xmlns:a16="http://schemas.microsoft.com/office/drawing/2014/main" id="{A4971043-211F-574E-8FE3-CD20FA32BF54}"/>
+                  <a16:creationId xmlns:a16="http://schemas.microsoft.com/office/drawing/2014/main" xmlns="" id="{A4971043-211F-574E-8FE3-CD20FA32BF54}"/>
                 </a:ext>
               </a:extLst>
             </p:cNvPr>
@@ -5042,7 +5044,7 @@
             <p:cNvPr id="28" name="矩形 27">
               <a:extLst>
                 <a:ext uri="{FF2B5EF4-FFF2-40B4-BE49-F238E27FC236}">
-                  <a16:creationId xmlns:a16="http://schemas.microsoft.com/office/drawing/2014/main" id="{420006F2-BD21-534E-851E-3588A3A2FCE2}"/>
+                  <a16:creationId xmlns:a16="http://schemas.microsoft.com/office/drawing/2014/main" xmlns="" id="{420006F2-BD21-534E-851E-3588A3A2FCE2}"/>
                 </a:ext>
               </a:extLst>
             </p:cNvPr>
@@ -5077,7 +5079,7 @@
             <p:cNvPr id="29" name="矩形 28">
               <a:extLst>
                 <a:ext uri="{FF2B5EF4-FFF2-40B4-BE49-F238E27FC236}">
-                  <a16:creationId xmlns:a16="http://schemas.microsoft.com/office/drawing/2014/main" id="{73F04E63-FBE1-D14F-AAB2-A3564D172B2E}"/>
+                  <a16:creationId xmlns:a16="http://schemas.microsoft.com/office/drawing/2014/main" xmlns="" id="{73F04E63-FBE1-D14F-AAB2-A3564D172B2E}"/>
                 </a:ext>
               </a:extLst>
             </p:cNvPr>
@@ -5113,7 +5115,7 @@
           <p:cNvPr id="30" name="文本框 29">
             <a:extLst>
               <a:ext uri="{FF2B5EF4-FFF2-40B4-BE49-F238E27FC236}">
-                <a16:creationId xmlns:a16="http://schemas.microsoft.com/office/drawing/2014/main" id="{DEC4BE07-125B-4042-89D9-DC7CF15444BF}"/>
+                <a16:creationId xmlns:a16="http://schemas.microsoft.com/office/drawing/2014/main" xmlns="" id="{DEC4BE07-125B-4042-89D9-DC7CF15444BF}"/>
               </a:ext>
             </a:extLst>
           </p:cNvPr>
@@ -5171,7 +5173,7 @@
           <p:cNvPr id="31" name="矩形 30">
             <a:extLst>
               <a:ext uri="{FF2B5EF4-FFF2-40B4-BE49-F238E27FC236}">
-                <a16:creationId xmlns:a16="http://schemas.microsoft.com/office/drawing/2014/main" id="{04A94323-41B3-0843-A39F-E3697B2EB9E5}"/>
+                <a16:creationId xmlns:a16="http://schemas.microsoft.com/office/drawing/2014/main" xmlns="" id="{04A94323-41B3-0843-A39F-E3697B2EB9E5}"/>
               </a:ext>
             </a:extLst>
           </p:cNvPr>
@@ -5265,7 +5267,7 @@
     </p:spTree>
     <p:extLst>
       <p:ext uri="{BB962C8B-B14F-4D97-AF65-F5344CB8AC3E}">
-        <p14:creationId xmlns:p14="http://schemas.microsoft.com/office/powerpoint/2010/main" val="3545254924"/>
+        <p14:creationId xmlns:p14="http://schemas.microsoft.com/office/powerpoint/2010/main" xmlns="" val="3545254924"/>
       </p:ext>
     </p:extLst>
   </p:cSld>
@@ -5297,7 +5299,7 @@
           <p:cNvPr id="2" name="图片 1">
             <a:extLst>
               <a:ext uri="{FF2B5EF4-FFF2-40B4-BE49-F238E27FC236}">
-                <a16:creationId xmlns:a16="http://schemas.microsoft.com/office/drawing/2014/main" id="{93EE5498-7151-0A4C-A154-50D9BF0FDE0E}"/>
+                <a16:creationId xmlns:a16="http://schemas.microsoft.com/office/drawing/2014/main" xmlns="" id="{93EE5498-7151-0A4C-A154-50D9BF0FDE0E}"/>
               </a:ext>
             </a:extLst>
           </p:cNvPr>
@@ -5327,7 +5329,7 @@
           <p:cNvPr id="27" name="组合 26">
             <a:extLst>
               <a:ext uri="{FF2B5EF4-FFF2-40B4-BE49-F238E27FC236}">
-                <a16:creationId xmlns:a16="http://schemas.microsoft.com/office/drawing/2014/main" id="{D34E3A65-5396-9C47-A400-23C7A99F9244}"/>
+                <a16:creationId xmlns:a16="http://schemas.microsoft.com/office/drawing/2014/main" xmlns="" id="{D34E3A65-5396-9C47-A400-23C7A99F9244}"/>
               </a:ext>
             </a:extLst>
           </p:cNvPr>
@@ -5347,7 +5349,7 @@
             <p:cNvPr id="4" name="直线箭头连接符 3">
               <a:extLst>
                 <a:ext uri="{FF2B5EF4-FFF2-40B4-BE49-F238E27FC236}">
-                  <a16:creationId xmlns:a16="http://schemas.microsoft.com/office/drawing/2014/main" id="{A6EA8D89-0FBF-3E48-90A0-3C5CABAD6EF6}"/>
+                  <a16:creationId xmlns:a16="http://schemas.microsoft.com/office/drawing/2014/main" xmlns="" id="{A6EA8D89-0FBF-3E48-90A0-3C5CABAD6EF6}"/>
                 </a:ext>
               </a:extLst>
             </p:cNvPr>
@@ -5391,7 +5393,7 @@
             <p:cNvPr id="5" name="直线箭头连接符 4">
               <a:extLst>
                 <a:ext uri="{FF2B5EF4-FFF2-40B4-BE49-F238E27FC236}">
-                  <a16:creationId xmlns:a16="http://schemas.microsoft.com/office/drawing/2014/main" id="{ED195F4B-8BFF-0C42-9C20-FB472125F1E2}"/>
+                  <a16:creationId xmlns:a16="http://schemas.microsoft.com/office/drawing/2014/main" xmlns="" id="{ED195F4B-8BFF-0C42-9C20-FB472125F1E2}"/>
                 </a:ext>
               </a:extLst>
             </p:cNvPr>
@@ -5435,7 +5437,7 @@
             <p:cNvPr id="6" name="直线箭头连接符 5">
               <a:extLst>
                 <a:ext uri="{FF2B5EF4-FFF2-40B4-BE49-F238E27FC236}">
-                  <a16:creationId xmlns:a16="http://schemas.microsoft.com/office/drawing/2014/main" id="{BC9FE74E-8E4E-B847-9572-6303B07EDF35}"/>
+                  <a16:creationId xmlns:a16="http://schemas.microsoft.com/office/drawing/2014/main" xmlns="" id="{BC9FE74E-8E4E-B847-9572-6303B07EDF35}"/>
                 </a:ext>
               </a:extLst>
             </p:cNvPr>
@@ -5479,7 +5481,7 @@
             <p:cNvPr id="7" name="直线箭头连接符 6">
               <a:extLst>
                 <a:ext uri="{FF2B5EF4-FFF2-40B4-BE49-F238E27FC236}">
-                  <a16:creationId xmlns:a16="http://schemas.microsoft.com/office/drawing/2014/main" id="{7122AC54-6017-A343-89AB-987C5F82948B}"/>
+                  <a16:creationId xmlns:a16="http://schemas.microsoft.com/office/drawing/2014/main" xmlns="" id="{7122AC54-6017-A343-89AB-987C5F82948B}"/>
                 </a:ext>
               </a:extLst>
             </p:cNvPr>
@@ -5523,7 +5525,7 @@
             <p:cNvPr id="8" name="文本框 7">
               <a:extLst>
                 <a:ext uri="{FF2B5EF4-FFF2-40B4-BE49-F238E27FC236}">
-                  <a16:creationId xmlns:a16="http://schemas.microsoft.com/office/drawing/2014/main" id="{02A23A47-102A-994F-8E23-06267242414D}"/>
+                  <a16:creationId xmlns:a16="http://schemas.microsoft.com/office/drawing/2014/main" xmlns="" id="{02A23A47-102A-994F-8E23-06267242414D}"/>
                 </a:ext>
               </a:extLst>
             </p:cNvPr>
@@ -5593,7 +5595,7 @@
             <p:cNvPr id="9" name="矩形 8">
               <a:extLst>
                 <a:ext uri="{FF2B5EF4-FFF2-40B4-BE49-F238E27FC236}">
-                  <a16:creationId xmlns:a16="http://schemas.microsoft.com/office/drawing/2014/main" id="{F7448B12-563D-7646-8752-EF80271EFE9B}"/>
+                  <a16:creationId xmlns:a16="http://schemas.microsoft.com/office/drawing/2014/main" xmlns="" id="{F7448B12-563D-7646-8752-EF80271EFE9B}"/>
                 </a:ext>
               </a:extLst>
             </p:cNvPr>
@@ -5628,7 +5630,7 @@
             <p:cNvPr id="10" name="矩形 9">
               <a:extLst>
                 <a:ext uri="{FF2B5EF4-FFF2-40B4-BE49-F238E27FC236}">
-                  <a16:creationId xmlns:a16="http://schemas.microsoft.com/office/drawing/2014/main" id="{09EDB82E-5698-CD40-AC47-3C3C5371D99E}"/>
+                  <a16:creationId xmlns:a16="http://schemas.microsoft.com/office/drawing/2014/main" xmlns="" id="{09EDB82E-5698-CD40-AC47-3C3C5371D99E}"/>
                 </a:ext>
               </a:extLst>
             </p:cNvPr>
@@ -5663,7 +5665,7 @@
             <p:cNvPr id="11" name="矩形 10">
               <a:extLst>
                 <a:ext uri="{FF2B5EF4-FFF2-40B4-BE49-F238E27FC236}">
-                  <a16:creationId xmlns:a16="http://schemas.microsoft.com/office/drawing/2014/main" id="{3F70B2E2-C140-764B-BF1D-0661F6B1AE21}"/>
+                  <a16:creationId xmlns:a16="http://schemas.microsoft.com/office/drawing/2014/main" xmlns="" id="{3F70B2E2-C140-764B-BF1D-0661F6B1AE21}"/>
                 </a:ext>
               </a:extLst>
             </p:cNvPr>
@@ -5698,7 +5700,7 @@
             <p:cNvPr id="12" name="矩形 11">
               <a:extLst>
                 <a:ext uri="{FF2B5EF4-FFF2-40B4-BE49-F238E27FC236}">
-                  <a16:creationId xmlns:a16="http://schemas.microsoft.com/office/drawing/2014/main" id="{7EFABDDF-3273-9647-B2C3-7CB4FEDE71CB}"/>
+                  <a16:creationId xmlns:a16="http://schemas.microsoft.com/office/drawing/2014/main" xmlns="" id="{7EFABDDF-3273-9647-B2C3-7CB4FEDE71CB}"/>
                 </a:ext>
               </a:extLst>
             </p:cNvPr>
@@ -5734,7 +5736,7 @@
           <p:cNvPr id="28" name="文本框 27">
             <a:extLst>
               <a:ext uri="{FF2B5EF4-FFF2-40B4-BE49-F238E27FC236}">
-                <a16:creationId xmlns:a16="http://schemas.microsoft.com/office/drawing/2014/main" id="{975AD337-7482-5A4B-BC36-D90B51DEB88C}"/>
+                <a16:creationId xmlns:a16="http://schemas.microsoft.com/office/drawing/2014/main" xmlns="" id="{975AD337-7482-5A4B-BC36-D90B51DEB88C}"/>
               </a:ext>
             </a:extLst>
           </p:cNvPr>
@@ -5773,7 +5775,7 @@
           <p:cNvPr id="29" name="直线箭头连接符 28">
             <a:extLst>
               <a:ext uri="{FF2B5EF4-FFF2-40B4-BE49-F238E27FC236}">
-                <a16:creationId xmlns:a16="http://schemas.microsoft.com/office/drawing/2014/main" id="{2CB15FED-B4BA-D348-8A7D-EABB710C87FE}"/>
+                <a16:creationId xmlns:a16="http://schemas.microsoft.com/office/drawing/2014/main" xmlns="" id="{2CB15FED-B4BA-D348-8A7D-EABB710C87FE}"/>
               </a:ext>
             </a:extLst>
           </p:cNvPr>
@@ -5817,7 +5819,7 @@
           <p:cNvPr id="30" name="直线箭头连接符 29">
             <a:extLst>
               <a:ext uri="{FF2B5EF4-FFF2-40B4-BE49-F238E27FC236}">
-                <a16:creationId xmlns:a16="http://schemas.microsoft.com/office/drawing/2014/main" id="{38758845-2897-7244-8EB7-5734A9F207D1}"/>
+                <a16:creationId xmlns:a16="http://schemas.microsoft.com/office/drawing/2014/main" xmlns="" id="{38758845-2897-7244-8EB7-5734A9F207D1}"/>
               </a:ext>
             </a:extLst>
           </p:cNvPr>
@@ -5861,7 +5863,7 @@
           <p:cNvPr id="31" name="文本框 30">
             <a:extLst>
               <a:ext uri="{FF2B5EF4-FFF2-40B4-BE49-F238E27FC236}">
-                <a16:creationId xmlns:a16="http://schemas.microsoft.com/office/drawing/2014/main" id="{C91A752D-1A66-DB4E-BFE2-54EA70C84F91}"/>
+                <a16:creationId xmlns:a16="http://schemas.microsoft.com/office/drawing/2014/main" xmlns="" id="{C91A752D-1A66-DB4E-BFE2-54EA70C84F91}"/>
               </a:ext>
             </a:extLst>
           </p:cNvPr>
@@ -5919,7 +5921,7 @@
           <p:cNvPr id="32" name="矩形 31">
             <a:extLst>
               <a:ext uri="{FF2B5EF4-FFF2-40B4-BE49-F238E27FC236}">
-                <a16:creationId xmlns:a16="http://schemas.microsoft.com/office/drawing/2014/main" id="{1FE6430A-7351-C549-80DC-437FD4A3B280}"/>
+                <a16:creationId xmlns:a16="http://schemas.microsoft.com/office/drawing/2014/main" xmlns="" id="{1FE6430A-7351-C549-80DC-437FD4A3B280}"/>
               </a:ext>
             </a:extLst>
           </p:cNvPr>
@@ -6013,7 +6015,7 @@
     </p:spTree>
     <p:extLst>
       <p:ext uri="{BB962C8B-B14F-4D97-AF65-F5344CB8AC3E}">
-        <p14:creationId xmlns:p14="http://schemas.microsoft.com/office/powerpoint/2010/main" val="159605346"/>
+        <p14:creationId xmlns:p14="http://schemas.microsoft.com/office/powerpoint/2010/main" xmlns="" val="159605346"/>
       </p:ext>
     </p:extLst>
   </p:cSld>
@@ -6045,7 +6047,7 @@
           <p:cNvPr id="2" name="图片 1">
             <a:extLst>
               <a:ext uri="{FF2B5EF4-FFF2-40B4-BE49-F238E27FC236}">
-                <a16:creationId xmlns:a16="http://schemas.microsoft.com/office/drawing/2014/main" id="{61B84186-DC82-5C44-8755-BE0D57DC9366}"/>
+                <a16:creationId xmlns:a16="http://schemas.microsoft.com/office/drawing/2014/main" xmlns="" id="{61B84186-DC82-5C44-8755-BE0D57DC9366}"/>
               </a:ext>
             </a:extLst>
           </p:cNvPr>
@@ -6075,7 +6077,7 @@
           <p:cNvPr id="3" name="组合 2">
             <a:extLst>
               <a:ext uri="{FF2B5EF4-FFF2-40B4-BE49-F238E27FC236}">
-                <a16:creationId xmlns:a16="http://schemas.microsoft.com/office/drawing/2014/main" id="{E58D8E5B-3BD2-A743-8BFE-07D56B46437F}"/>
+                <a16:creationId xmlns:a16="http://schemas.microsoft.com/office/drawing/2014/main" xmlns="" id="{E58D8E5B-3BD2-A743-8BFE-07D56B46437F}"/>
               </a:ext>
             </a:extLst>
           </p:cNvPr>
@@ -6095,7 +6097,7 @@
             <p:cNvPr id="4" name="直线箭头连接符 3">
               <a:extLst>
                 <a:ext uri="{FF2B5EF4-FFF2-40B4-BE49-F238E27FC236}">
-                  <a16:creationId xmlns:a16="http://schemas.microsoft.com/office/drawing/2014/main" id="{D954FC45-D475-F742-8124-DE5BF32E1868}"/>
+                  <a16:creationId xmlns:a16="http://schemas.microsoft.com/office/drawing/2014/main" xmlns="" id="{D954FC45-D475-F742-8124-DE5BF32E1868}"/>
                 </a:ext>
               </a:extLst>
             </p:cNvPr>
@@ -6139,7 +6141,7 @@
             <p:cNvPr id="5" name="直线箭头连接符 4">
               <a:extLst>
                 <a:ext uri="{FF2B5EF4-FFF2-40B4-BE49-F238E27FC236}">
-                  <a16:creationId xmlns:a16="http://schemas.microsoft.com/office/drawing/2014/main" id="{6CC14CD8-2FB2-DD44-B4D1-22F2727697C7}"/>
+                  <a16:creationId xmlns:a16="http://schemas.microsoft.com/office/drawing/2014/main" xmlns="" id="{6CC14CD8-2FB2-DD44-B4D1-22F2727697C7}"/>
                 </a:ext>
               </a:extLst>
             </p:cNvPr>
@@ -6183,7 +6185,7 @@
             <p:cNvPr id="6" name="直线箭头连接符 5">
               <a:extLst>
                 <a:ext uri="{FF2B5EF4-FFF2-40B4-BE49-F238E27FC236}">
-                  <a16:creationId xmlns:a16="http://schemas.microsoft.com/office/drawing/2014/main" id="{BD0CBC89-7113-3848-A55D-651EC141C8DE}"/>
+                  <a16:creationId xmlns:a16="http://schemas.microsoft.com/office/drawing/2014/main" xmlns="" id="{BD0CBC89-7113-3848-A55D-651EC141C8DE}"/>
                 </a:ext>
               </a:extLst>
             </p:cNvPr>
@@ -6227,7 +6229,7 @@
             <p:cNvPr id="7" name="直线箭头连接符 6">
               <a:extLst>
                 <a:ext uri="{FF2B5EF4-FFF2-40B4-BE49-F238E27FC236}">
-                  <a16:creationId xmlns:a16="http://schemas.microsoft.com/office/drawing/2014/main" id="{ABB2F85F-F86A-8F42-899E-155F12A17A56}"/>
+                  <a16:creationId xmlns:a16="http://schemas.microsoft.com/office/drawing/2014/main" xmlns="" id="{ABB2F85F-F86A-8F42-899E-155F12A17A56}"/>
                 </a:ext>
               </a:extLst>
             </p:cNvPr>
@@ -6271,7 +6273,7 @@
             <p:cNvPr id="8" name="文本框 7">
               <a:extLst>
                 <a:ext uri="{FF2B5EF4-FFF2-40B4-BE49-F238E27FC236}">
-                  <a16:creationId xmlns:a16="http://schemas.microsoft.com/office/drawing/2014/main" id="{283CA3AC-89F2-BA43-92B4-CBB7AB887440}"/>
+                  <a16:creationId xmlns:a16="http://schemas.microsoft.com/office/drawing/2014/main" xmlns="" id="{283CA3AC-89F2-BA43-92B4-CBB7AB887440}"/>
                 </a:ext>
               </a:extLst>
             </p:cNvPr>
@@ -6341,7 +6343,7 @@
             <p:cNvPr id="9" name="矩形 8">
               <a:extLst>
                 <a:ext uri="{FF2B5EF4-FFF2-40B4-BE49-F238E27FC236}">
-                  <a16:creationId xmlns:a16="http://schemas.microsoft.com/office/drawing/2014/main" id="{B2B516B4-F073-4542-95FA-9B77AB387568}"/>
+                  <a16:creationId xmlns:a16="http://schemas.microsoft.com/office/drawing/2014/main" xmlns="" id="{B2B516B4-F073-4542-95FA-9B77AB387568}"/>
                 </a:ext>
               </a:extLst>
             </p:cNvPr>
@@ -6376,7 +6378,7 @@
             <p:cNvPr id="10" name="矩形 9">
               <a:extLst>
                 <a:ext uri="{FF2B5EF4-FFF2-40B4-BE49-F238E27FC236}">
-                  <a16:creationId xmlns:a16="http://schemas.microsoft.com/office/drawing/2014/main" id="{57AB311C-E3C2-624F-9166-E29A17C2F608}"/>
+                  <a16:creationId xmlns:a16="http://schemas.microsoft.com/office/drawing/2014/main" xmlns="" id="{57AB311C-E3C2-624F-9166-E29A17C2F608}"/>
                 </a:ext>
               </a:extLst>
             </p:cNvPr>
@@ -6411,7 +6413,7 @@
             <p:cNvPr id="11" name="矩形 10">
               <a:extLst>
                 <a:ext uri="{FF2B5EF4-FFF2-40B4-BE49-F238E27FC236}">
-                  <a16:creationId xmlns:a16="http://schemas.microsoft.com/office/drawing/2014/main" id="{DD4AA385-3CCD-684D-9C98-5EC03ABE89F9}"/>
+                  <a16:creationId xmlns:a16="http://schemas.microsoft.com/office/drawing/2014/main" xmlns="" id="{DD4AA385-3CCD-684D-9C98-5EC03ABE89F9}"/>
                 </a:ext>
               </a:extLst>
             </p:cNvPr>
@@ -6446,7 +6448,7 @@
             <p:cNvPr id="12" name="矩形 11">
               <a:extLst>
                 <a:ext uri="{FF2B5EF4-FFF2-40B4-BE49-F238E27FC236}">
-                  <a16:creationId xmlns:a16="http://schemas.microsoft.com/office/drawing/2014/main" id="{80889655-0CE1-6848-A9D5-BE56613EAC10}"/>
+                  <a16:creationId xmlns:a16="http://schemas.microsoft.com/office/drawing/2014/main" xmlns="" id="{80889655-0CE1-6848-A9D5-BE56613EAC10}"/>
                 </a:ext>
               </a:extLst>
             </p:cNvPr>
@@ -6482,7 +6484,7 @@
           <p:cNvPr id="13" name="直线箭头连接符 12">
             <a:extLst>
               <a:ext uri="{FF2B5EF4-FFF2-40B4-BE49-F238E27FC236}">
-                <a16:creationId xmlns:a16="http://schemas.microsoft.com/office/drawing/2014/main" id="{69E7E864-BE1B-EF4B-BA0C-1ACB5962FC29}"/>
+                <a16:creationId xmlns:a16="http://schemas.microsoft.com/office/drawing/2014/main" xmlns="" id="{69E7E864-BE1B-EF4B-BA0C-1ACB5962FC29}"/>
               </a:ext>
             </a:extLst>
           </p:cNvPr>
@@ -6526,7 +6528,7 @@
           <p:cNvPr id="14" name="直线箭头连接符 13">
             <a:extLst>
               <a:ext uri="{FF2B5EF4-FFF2-40B4-BE49-F238E27FC236}">
-                <a16:creationId xmlns:a16="http://schemas.microsoft.com/office/drawing/2014/main" id="{419DDFA3-4436-9E4F-8D86-357CED39289C}"/>
+                <a16:creationId xmlns:a16="http://schemas.microsoft.com/office/drawing/2014/main" xmlns="" id="{419DDFA3-4436-9E4F-8D86-357CED39289C}"/>
               </a:ext>
             </a:extLst>
           </p:cNvPr>
@@ -6570,7 +6572,7 @@
           <p:cNvPr id="15" name="文本框 14">
             <a:extLst>
               <a:ext uri="{FF2B5EF4-FFF2-40B4-BE49-F238E27FC236}">
-                <a16:creationId xmlns:a16="http://schemas.microsoft.com/office/drawing/2014/main" id="{4E4443A6-4FBD-4746-B76B-838A78671ED8}"/>
+                <a16:creationId xmlns:a16="http://schemas.microsoft.com/office/drawing/2014/main" xmlns="" id="{4E4443A6-4FBD-4746-B76B-838A78671ED8}"/>
               </a:ext>
             </a:extLst>
           </p:cNvPr>
@@ -6609,7 +6611,7 @@
           <p:cNvPr id="16" name="文本框 15">
             <a:extLst>
               <a:ext uri="{FF2B5EF4-FFF2-40B4-BE49-F238E27FC236}">
-                <a16:creationId xmlns:a16="http://schemas.microsoft.com/office/drawing/2014/main" id="{1ECF3E99-C17E-9742-84BF-2AC20562D779}"/>
+                <a16:creationId xmlns:a16="http://schemas.microsoft.com/office/drawing/2014/main" xmlns="" id="{1ECF3E99-C17E-9742-84BF-2AC20562D779}"/>
               </a:ext>
             </a:extLst>
           </p:cNvPr>
@@ -6667,7 +6669,7 @@
           <p:cNvPr id="17" name="矩形 16">
             <a:extLst>
               <a:ext uri="{FF2B5EF4-FFF2-40B4-BE49-F238E27FC236}">
-                <a16:creationId xmlns:a16="http://schemas.microsoft.com/office/drawing/2014/main" id="{629DDF65-2E08-454A-9455-C81F76699333}"/>
+                <a16:creationId xmlns:a16="http://schemas.microsoft.com/office/drawing/2014/main" xmlns="" id="{629DDF65-2E08-454A-9455-C81F76699333}"/>
               </a:ext>
             </a:extLst>
           </p:cNvPr>
@@ -6761,7 +6763,7 @@
     </p:spTree>
     <p:extLst>
       <p:ext uri="{BB962C8B-B14F-4D97-AF65-F5344CB8AC3E}">
-        <p14:creationId xmlns:p14="http://schemas.microsoft.com/office/powerpoint/2010/main" val="2091161657"/>
+        <p14:creationId xmlns:p14="http://schemas.microsoft.com/office/powerpoint/2010/main" xmlns="" val="2091161657"/>
       </p:ext>
     </p:extLst>
   </p:cSld>
@@ -6793,7 +6795,7 @@
           <p:cNvPr id="2" name="图片 1">
             <a:extLst>
               <a:ext uri="{FF2B5EF4-FFF2-40B4-BE49-F238E27FC236}">
-                <a16:creationId xmlns:a16="http://schemas.microsoft.com/office/drawing/2014/main" id="{D5425CB8-6EAF-414D-AEBD-663AD800B191}"/>
+                <a16:creationId xmlns:a16="http://schemas.microsoft.com/office/drawing/2014/main" xmlns="" id="{D5425CB8-6EAF-414D-AEBD-663AD800B191}"/>
               </a:ext>
             </a:extLst>
           </p:cNvPr>
@@ -6823,7 +6825,7 @@
           <p:cNvPr id="3" name="组合 2">
             <a:extLst>
               <a:ext uri="{FF2B5EF4-FFF2-40B4-BE49-F238E27FC236}">
-                <a16:creationId xmlns:a16="http://schemas.microsoft.com/office/drawing/2014/main" id="{9A66E38F-BC4E-9C41-93D3-2ACBAAED1A42}"/>
+                <a16:creationId xmlns:a16="http://schemas.microsoft.com/office/drawing/2014/main" xmlns="" id="{9A66E38F-BC4E-9C41-93D3-2ACBAAED1A42}"/>
               </a:ext>
             </a:extLst>
           </p:cNvPr>
@@ -6843,7 +6845,7 @@
             <p:cNvPr id="4" name="直线箭头连接符 3">
               <a:extLst>
                 <a:ext uri="{FF2B5EF4-FFF2-40B4-BE49-F238E27FC236}">
-                  <a16:creationId xmlns:a16="http://schemas.microsoft.com/office/drawing/2014/main" id="{C78CC942-B757-654C-8872-30A4C3E6EB19}"/>
+                  <a16:creationId xmlns:a16="http://schemas.microsoft.com/office/drawing/2014/main" xmlns="" id="{C78CC942-B757-654C-8872-30A4C3E6EB19}"/>
                 </a:ext>
               </a:extLst>
             </p:cNvPr>
@@ -6887,7 +6889,7 @@
             <p:cNvPr id="5" name="直线箭头连接符 4">
               <a:extLst>
                 <a:ext uri="{FF2B5EF4-FFF2-40B4-BE49-F238E27FC236}">
-                  <a16:creationId xmlns:a16="http://schemas.microsoft.com/office/drawing/2014/main" id="{A5E8858E-EBDF-5343-B914-D709922A1E15}"/>
+                  <a16:creationId xmlns:a16="http://schemas.microsoft.com/office/drawing/2014/main" xmlns="" id="{A5E8858E-EBDF-5343-B914-D709922A1E15}"/>
                 </a:ext>
               </a:extLst>
             </p:cNvPr>
@@ -6931,7 +6933,7 @@
             <p:cNvPr id="6" name="直线箭头连接符 5">
               <a:extLst>
                 <a:ext uri="{FF2B5EF4-FFF2-40B4-BE49-F238E27FC236}">
-                  <a16:creationId xmlns:a16="http://schemas.microsoft.com/office/drawing/2014/main" id="{E5D9C370-94C8-A54D-A3D8-E623BAC2DE2B}"/>
+                  <a16:creationId xmlns:a16="http://schemas.microsoft.com/office/drawing/2014/main" xmlns="" id="{E5D9C370-94C8-A54D-A3D8-E623BAC2DE2B}"/>
                 </a:ext>
               </a:extLst>
             </p:cNvPr>
@@ -6975,7 +6977,7 @@
             <p:cNvPr id="7" name="直线箭头连接符 6">
               <a:extLst>
                 <a:ext uri="{FF2B5EF4-FFF2-40B4-BE49-F238E27FC236}">
-                  <a16:creationId xmlns:a16="http://schemas.microsoft.com/office/drawing/2014/main" id="{C0D72D1F-84F2-EE44-ABD0-7640FA37FB32}"/>
+                  <a16:creationId xmlns:a16="http://schemas.microsoft.com/office/drawing/2014/main" xmlns="" id="{C0D72D1F-84F2-EE44-ABD0-7640FA37FB32}"/>
                 </a:ext>
               </a:extLst>
             </p:cNvPr>
@@ -7019,7 +7021,7 @@
             <p:cNvPr id="8" name="文本框 7">
               <a:extLst>
                 <a:ext uri="{FF2B5EF4-FFF2-40B4-BE49-F238E27FC236}">
-                  <a16:creationId xmlns:a16="http://schemas.microsoft.com/office/drawing/2014/main" id="{151DCB7F-F092-5544-BE20-9824B16A5704}"/>
+                  <a16:creationId xmlns:a16="http://schemas.microsoft.com/office/drawing/2014/main" xmlns="" id="{151DCB7F-F092-5544-BE20-9824B16A5704}"/>
                 </a:ext>
               </a:extLst>
             </p:cNvPr>
@@ -7089,7 +7091,7 @@
             <p:cNvPr id="9" name="矩形 8">
               <a:extLst>
                 <a:ext uri="{FF2B5EF4-FFF2-40B4-BE49-F238E27FC236}">
-                  <a16:creationId xmlns:a16="http://schemas.microsoft.com/office/drawing/2014/main" id="{66AAE402-7722-2840-8E32-0B79BD5C5F78}"/>
+                  <a16:creationId xmlns:a16="http://schemas.microsoft.com/office/drawing/2014/main" xmlns="" id="{66AAE402-7722-2840-8E32-0B79BD5C5F78}"/>
                 </a:ext>
               </a:extLst>
             </p:cNvPr>
@@ -7124,7 +7126,7 @@
             <p:cNvPr id="10" name="矩形 9">
               <a:extLst>
                 <a:ext uri="{FF2B5EF4-FFF2-40B4-BE49-F238E27FC236}">
-                  <a16:creationId xmlns:a16="http://schemas.microsoft.com/office/drawing/2014/main" id="{DDEC312E-46A2-1640-9E54-2D40E9FB4C4A}"/>
+                  <a16:creationId xmlns:a16="http://schemas.microsoft.com/office/drawing/2014/main" xmlns="" id="{DDEC312E-46A2-1640-9E54-2D40E9FB4C4A}"/>
                 </a:ext>
               </a:extLst>
             </p:cNvPr>
@@ -7159,7 +7161,7 @@
             <p:cNvPr id="11" name="矩形 10">
               <a:extLst>
                 <a:ext uri="{FF2B5EF4-FFF2-40B4-BE49-F238E27FC236}">
-                  <a16:creationId xmlns:a16="http://schemas.microsoft.com/office/drawing/2014/main" id="{C0540C6F-8432-8C4F-868C-3DC893FD09AF}"/>
+                  <a16:creationId xmlns:a16="http://schemas.microsoft.com/office/drawing/2014/main" xmlns="" id="{C0540C6F-8432-8C4F-868C-3DC893FD09AF}"/>
                 </a:ext>
               </a:extLst>
             </p:cNvPr>
@@ -7194,7 +7196,7 @@
             <p:cNvPr id="12" name="矩形 11">
               <a:extLst>
                 <a:ext uri="{FF2B5EF4-FFF2-40B4-BE49-F238E27FC236}">
-                  <a16:creationId xmlns:a16="http://schemas.microsoft.com/office/drawing/2014/main" id="{89CAFCC3-678C-314D-A76C-ABA8487723A1}"/>
+                  <a16:creationId xmlns:a16="http://schemas.microsoft.com/office/drawing/2014/main" xmlns="" id="{89CAFCC3-678C-314D-A76C-ABA8487723A1}"/>
                 </a:ext>
               </a:extLst>
             </p:cNvPr>
@@ -7230,7 +7232,7 @@
           <p:cNvPr id="13" name="直线箭头连接符 12">
             <a:extLst>
               <a:ext uri="{FF2B5EF4-FFF2-40B4-BE49-F238E27FC236}">
-                <a16:creationId xmlns:a16="http://schemas.microsoft.com/office/drawing/2014/main" id="{4E709796-9FB0-F244-B301-DA9887CD1352}"/>
+                <a16:creationId xmlns:a16="http://schemas.microsoft.com/office/drawing/2014/main" xmlns="" id="{4E709796-9FB0-F244-B301-DA9887CD1352}"/>
               </a:ext>
             </a:extLst>
           </p:cNvPr>
@@ -7274,7 +7276,7 @@
           <p:cNvPr id="14" name="直线箭头连接符 13">
             <a:extLst>
               <a:ext uri="{FF2B5EF4-FFF2-40B4-BE49-F238E27FC236}">
-                <a16:creationId xmlns:a16="http://schemas.microsoft.com/office/drawing/2014/main" id="{7C28BBFB-6938-7340-A48F-C0D0842BBBAC}"/>
+                <a16:creationId xmlns:a16="http://schemas.microsoft.com/office/drawing/2014/main" xmlns="" id="{7C28BBFB-6938-7340-A48F-C0D0842BBBAC}"/>
               </a:ext>
             </a:extLst>
           </p:cNvPr>
@@ -7318,7 +7320,7 @@
           <p:cNvPr id="15" name="文本框 14">
             <a:extLst>
               <a:ext uri="{FF2B5EF4-FFF2-40B4-BE49-F238E27FC236}">
-                <a16:creationId xmlns:a16="http://schemas.microsoft.com/office/drawing/2014/main" id="{E8095397-8C25-D141-855A-F150B7072150}"/>
+                <a16:creationId xmlns:a16="http://schemas.microsoft.com/office/drawing/2014/main" xmlns="" id="{E8095397-8C25-D141-855A-F150B7072150}"/>
               </a:ext>
             </a:extLst>
           </p:cNvPr>
@@ -7357,7 +7359,7 @@
           <p:cNvPr id="16" name="文本框 15">
             <a:extLst>
               <a:ext uri="{FF2B5EF4-FFF2-40B4-BE49-F238E27FC236}">
-                <a16:creationId xmlns:a16="http://schemas.microsoft.com/office/drawing/2014/main" id="{48CEAF30-B1B4-6D43-8CF0-BF52D249554D}"/>
+                <a16:creationId xmlns:a16="http://schemas.microsoft.com/office/drawing/2014/main" xmlns="" id="{48CEAF30-B1B4-6D43-8CF0-BF52D249554D}"/>
               </a:ext>
             </a:extLst>
           </p:cNvPr>
@@ -7415,7 +7417,7 @@
           <p:cNvPr id="17" name="矩形 16">
             <a:extLst>
               <a:ext uri="{FF2B5EF4-FFF2-40B4-BE49-F238E27FC236}">
-                <a16:creationId xmlns:a16="http://schemas.microsoft.com/office/drawing/2014/main" id="{0CEA7E3E-9E12-F344-9D8F-47D7D9057ACA}"/>
+                <a16:creationId xmlns:a16="http://schemas.microsoft.com/office/drawing/2014/main" xmlns="" id="{0CEA7E3E-9E12-F344-9D8F-47D7D9057ACA}"/>
               </a:ext>
             </a:extLst>
           </p:cNvPr>
@@ -7509,7 +7511,7 @@
     </p:spTree>
     <p:extLst>
       <p:ext uri="{BB962C8B-B14F-4D97-AF65-F5344CB8AC3E}">
-        <p14:creationId xmlns:p14="http://schemas.microsoft.com/office/powerpoint/2010/main" val="791698620"/>
+        <p14:creationId xmlns:p14="http://schemas.microsoft.com/office/powerpoint/2010/main" xmlns="" val="791698620"/>
       </p:ext>
     </p:extLst>
   </p:cSld>
@@ -7541,7 +7543,7 @@
           <p:cNvPr id="2" name="图片 1">
             <a:extLst>
               <a:ext uri="{FF2B5EF4-FFF2-40B4-BE49-F238E27FC236}">
-                <a16:creationId xmlns:a16="http://schemas.microsoft.com/office/drawing/2014/main" id="{D5425CB8-6EAF-414D-AEBD-663AD800B191}"/>
+                <a16:creationId xmlns:a16="http://schemas.microsoft.com/office/drawing/2014/main" xmlns="" id="{D5425CB8-6EAF-414D-AEBD-663AD800B191}"/>
               </a:ext>
             </a:extLst>
           </p:cNvPr>
@@ -7571,7 +7573,7 @@
           <p:cNvPr id="3" name="组合 2">
             <a:extLst>
               <a:ext uri="{FF2B5EF4-FFF2-40B4-BE49-F238E27FC236}">
-                <a16:creationId xmlns:a16="http://schemas.microsoft.com/office/drawing/2014/main" id="{9A66E38F-BC4E-9C41-93D3-2ACBAAED1A42}"/>
+                <a16:creationId xmlns:a16="http://schemas.microsoft.com/office/drawing/2014/main" xmlns="" id="{9A66E38F-BC4E-9C41-93D3-2ACBAAED1A42}"/>
               </a:ext>
             </a:extLst>
           </p:cNvPr>
@@ -7591,7 +7593,7 @@
             <p:cNvPr id="4" name="直线箭头连接符 3">
               <a:extLst>
                 <a:ext uri="{FF2B5EF4-FFF2-40B4-BE49-F238E27FC236}">
-                  <a16:creationId xmlns:a16="http://schemas.microsoft.com/office/drawing/2014/main" id="{C78CC942-B757-654C-8872-30A4C3E6EB19}"/>
+                  <a16:creationId xmlns:a16="http://schemas.microsoft.com/office/drawing/2014/main" xmlns="" id="{C78CC942-B757-654C-8872-30A4C3E6EB19}"/>
                 </a:ext>
               </a:extLst>
             </p:cNvPr>
@@ -7635,7 +7637,7 @@
             <p:cNvPr id="5" name="直线箭头连接符 4">
               <a:extLst>
                 <a:ext uri="{FF2B5EF4-FFF2-40B4-BE49-F238E27FC236}">
-                  <a16:creationId xmlns:a16="http://schemas.microsoft.com/office/drawing/2014/main" id="{A5E8858E-EBDF-5343-B914-D709922A1E15}"/>
+                  <a16:creationId xmlns:a16="http://schemas.microsoft.com/office/drawing/2014/main" xmlns="" id="{A5E8858E-EBDF-5343-B914-D709922A1E15}"/>
                 </a:ext>
               </a:extLst>
             </p:cNvPr>
@@ -7679,7 +7681,7 @@
             <p:cNvPr id="6" name="直线箭头连接符 5">
               <a:extLst>
                 <a:ext uri="{FF2B5EF4-FFF2-40B4-BE49-F238E27FC236}">
-                  <a16:creationId xmlns:a16="http://schemas.microsoft.com/office/drawing/2014/main" id="{E5D9C370-94C8-A54D-A3D8-E623BAC2DE2B}"/>
+                  <a16:creationId xmlns:a16="http://schemas.microsoft.com/office/drawing/2014/main" xmlns="" id="{E5D9C370-94C8-A54D-A3D8-E623BAC2DE2B}"/>
                 </a:ext>
               </a:extLst>
             </p:cNvPr>
@@ -7723,7 +7725,7 @@
             <p:cNvPr id="7" name="直线箭头连接符 6">
               <a:extLst>
                 <a:ext uri="{FF2B5EF4-FFF2-40B4-BE49-F238E27FC236}">
-                  <a16:creationId xmlns:a16="http://schemas.microsoft.com/office/drawing/2014/main" id="{C0D72D1F-84F2-EE44-ABD0-7640FA37FB32}"/>
+                  <a16:creationId xmlns:a16="http://schemas.microsoft.com/office/drawing/2014/main" xmlns="" id="{C0D72D1F-84F2-EE44-ABD0-7640FA37FB32}"/>
                 </a:ext>
               </a:extLst>
             </p:cNvPr>
@@ -7767,7 +7769,7 @@
             <p:cNvPr id="8" name="文本框 7">
               <a:extLst>
                 <a:ext uri="{FF2B5EF4-FFF2-40B4-BE49-F238E27FC236}">
-                  <a16:creationId xmlns:a16="http://schemas.microsoft.com/office/drawing/2014/main" id="{151DCB7F-F092-5544-BE20-9824B16A5704}"/>
+                  <a16:creationId xmlns:a16="http://schemas.microsoft.com/office/drawing/2014/main" xmlns="" id="{151DCB7F-F092-5544-BE20-9824B16A5704}"/>
                 </a:ext>
               </a:extLst>
             </p:cNvPr>
@@ -7837,7 +7839,7 @@
             <p:cNvPr id="9" name="矩形 8">
               <a:extLst>
                 <a:ext uri="{FF2B5EF4-FFF2-40B4-BE49-F238E27FC236}">
-                  <a16:creationId xmlns:a16="http://schemas.microsoft.com/office/drawing/2014/main" id="{66AAE402-7722-2840-8E32-0B79BD5C5F78}"/>
+                  <a16:creationId xmlns:a16="http://schemas.microsoft.com/office/drawing/2014/main" xmlns="" id="{66AAE402-7722-2840-8E32-0B79BD5C5F78}"/>
                 </a:ext>
               </a:extLst>
             </p:cNvPr>
@@ -7872,7 +7874,7 @@
             <p:cNvPr id="10" name="矩形 9">
               <a:extLst>
                 <a:ext uri="{FF2B5EF4-FFF2-40B4-BE49-F238E27FC236}">
-                  <a16:creationId xmlns:a16="http://schemas.microsoft.com/office/drawing/2014/main" id="{DDEC312E-46A2-1640-9E54-2D40E9FB4C4A}"/>
+                  <a16:creationId xmlns:a16="http://schemas.microsoft.com/office/drawing/2014/main" xmlns="" id="{DDEC312E-46A2-1640-9E54-2D40E9FB4C4A}"/>
                 </a:ext>
               </a:extLst>
             </p:cNvPr>
@@ -7907,7 +7909,7 @@
             <p:cNvPr id="11" name="矩形 10">
               <a:extLst>
                 <a:ext uri="{FF2B5EF4-FFF2-40B4-BE49-F238E27FC236}">
-                  <a16:creationId xmlns:a16="http://schemas.microsoft.com/office/drawing/2014/main" id="{C0540C6F-8432-8C4F-868C-3DC893FD09AF}"/>
+                  <a16:creationId xmlns:a16="http://schemas.microsoft.com/office/drawing/2014/main" xmlns="" id="{C0540C6F-8432-8C4F-868C-3DC893FD09AF}"/>
                 </a:ext>
               </a:extLst>
             </p:cNvPr>
@@ -7942,7 +7944,7 @@
             <p:cNvPr id="12" name="矩形 11">
               <a:extLst>
                 <a:ext uri="{FF2B5EF4-FFF2-40B4-BE49-F238E27FC236}">
-                  <a16:creationId xmlns:a16="http://schemas.microsoft.com/office/drawing/2014/main" id="{89CAFCC3-678C-314D-A76C-ABA8487723A1}"/>
+                  <a16:creationId xmlns:a16="http://schemas.microsoft.com/office/drawing/2014/main" xmlns="" id="{89CAFCC3-678C-314D-A76C-ABA8487723A1}"/>
                 </a:ext>
               </a:extLst>
             </p:cNvPr>
@@ -7978,7 +7980,7 @@
           <p:cNvPr id="13" name="直线箭头连接符 12">
             <a:extLst>
               <a:ext uri="{FF2B5EF4-FFF2-40B4-BE49-F238E27FC236}">
-                <a16:creationId xmlns:a16="http://schemas.microsoft.com/office/drawing/2014/main" id="{4E709796-9FB0-F244-B301-DA9887CD1352}"/>
+                <a16:creationId xmlns:a16="http://schemas.microsoft.com/office/drawing/2014/main" xmlns="" id="{4E709796-9FB0-F244-B301-DA9887CD1352}"/>
               </a:ext>
             </a:extLst>
           </p:cNvPr>
@@ -8022,7 +8024,7 @@
           <p:cNvPr id="14" name="直线箭头连接符 13">
             <a:extLst>
               <a:ext uri="{FF2B5EF4-FFF2-40B4-BE49-F238E27FC236}">
-                <a16:creationId xmlns:a16="http://schemas.microsoft.com/office/drawing/2014/main" id="{7C28BBFB-6938-7340-A48F-C0D0842BBBAC}"/>
+                <a16:creationId xmlns:a16="http://schemas.microsoft.com/office/drawing/2014/main" xmlns="" id="{7C28BBFB-6938-7340-A48F-C0D0842BBBAC}"/>
               </a:ext>
             </a:extLst>
           </p:cNvPr>
@@ -8066,7 +8068,7 @@
           <p:cNvPr id="17" name="矩形 16">
             <a:extLst>
               <a:ext uri="{FF2B5EF4-FFF2-40B4-BE49-F238E27FC236}">
-                <a16:creationId xmlns:a16="http://schemas.microsoft.com/office/drawing/2014/main" id="{2220AD64-C6BC-124F-B998-D543371C82DC}"/>
+                <a16:creationId xmlns:a16="http://schemas.microsoft.com/office/drawing/2014/main" xmlns="" id="{2220AD64-C6BC-124F-B998-D543371C82DC}"/>
               </a:ext>
             </a:extLst>
           </p:cNvPr>
@@ -8191,7 +8193,7 @@
           <p:cNvPr id="18" name="文本框 17">
             <a:extLst>
               <a:ext uri="{FF2B5EF4-FFF2-40B4-BE49-F238E27FC236}">
-                <a16:creationId xmlns:a16="http://schemas.microsoft.com/office/drawing/2014/main" id="{2FDF7548-20F6-B64D-AC2D-6FD085AFA5F4}"/>
+                <a16:creationId xmlns:a16="http://schemas.microsoft.com/office/drawing/2014/main" xmlns="" id="{2FDF7548-20F6-B64D-AC2D-6FD085AFA5F4}"/>
               </a:ext>
             </a:extLst>
           </p:cNvPr>
@@ -8249,7 +8251,7 @@
           <p:cNvPr id="19" name="矩形 18">
             <a:extLst>
               <a:ext uri="{FF2B5EF4-FFF2-40B4-BE49-F238E27FC236}">
-                <a16:creationId xmlns:a16="http://schemas.microsoft.com/office/drawing/2014/main" id="{2F0C9A89-09DE-0F4B-84B9-0FD40479AABF}"/>
+                <a16:creationId xmlns:a16="http://schemas.microsoft.com/office/drawing/2014/main" xmlns="" id="{2F0C9A89-09DE-0F4B-84B9-0FD40479AABF}"/>
               </a:ext>
             </a:extLst>
           </p:cNvPr>
@@ -8343,7 +8345,7 @@
     </p:spTree>
     <p:extLst>
       <p:ext uri="{BB962C8B-B14F-4D97-AF65-F5344CB8AC3E}">
-        <p14:creationId xmlns:p14="http://schemas.microsoft.com/office/powerpoint/2010/main" val="1243842968"/>
+        <p14:creationId xmlns:p14="http://schemas.microsoft.com/office/powerpoint/2010/main" xmlns="" val="1243842968"/>
       </p:ext>
     </p:extLst>
   </p:cSld>
@@ -8375,7 +8377,7 @@
           <p:cNvPr id="2" name="图片 1">
             <a:extLst>
               <a:ext uri="{FF2B5EF4-FFF2-40B4-BE49-F238E27FC236}">
-                <a16:creationId xmlns:a16="http://schemas.microsoft.com/office/drawing/2014/main" id="{D5425CB8-6EAF-414D-AEBD-663AD800B191}"/>
+                <a16:creationId xmlns:a16="http://schemas.microsoft.com/office/drawing/2014/main" xmlns="" id="{D5425CB8-6EAF-414D-AEBD-663AD800B191}"/>
               </a:ext>
             </a:extLst>
           </p:cNvPr>
@@ -8405,7 +8407,7 @@
           <p:cNvPr id="3" name="组合 2">
             <a:extLst>
               <a:ext uri="{FF2B5EF4-FFF2-40B4-BE49-F238E27FC236}">
-                <a16:creationId xmlns:a16="http://schemas.microsoft.com/office/drawing/2014/main" id="{9A66E38F-BC4E-9C41-93D3-2ACBAAED1A42}"/>
+                <a16:creationId xmlns:a16="http://schemas.microsoft.com/office/drawing/2014/main" xmlns="" id="{9A66E38F-BC4E-9C41-93D3-2ACBAAED1A42}"/>
               </a:ext>
             </a:extLst>
           </p:cNvPr>
@@ -8425,7 +8427,7 @@
             <p:cNvPr id="4" name="直线箭头连接符 3">
               <a:extLst>
                 <a:ext uri="{FF2B5EF4-FFF2-40B4-BE49-F238E27FC236}">
-                  <a16:creationId xmlns:a16="http://schemas.microsoft.com/office/drawing/2014/main" id="{C78CC942-B757-654C-8872-30A4C3E6EB19}"/>
+                  <a16:creationId xmlns:a16="http://schemas.microsoft.com/office/drawing/2014/main" xmlns="" id="{C78CC942-B757-654C-8872-30A4C3E6EB19}"/>
                 </a:ext>
               </a:extLst>
             </p:cNvPr>
@@ -8469,7 +8471,7 @@
             <p:cNvPr id="5" name="直线箭头连接符 4">
               <a:extLst>
                 <a:ext uri="{FF2B5EF4-FFF2-40B4-BE49-F238E27FC236}">
-                  <a16:creationId xmlns:a16="http://schemas.microsoft.com/office/drawing/2014/main" id="{A5E8858E-EBDF-5343-B914-D709922A1E15}"/>
+                  <a16:creationId xmlns:a16="http://schemas.microsoft.com/office/drawing/2014/main" xmlns="" id="{A5E8858E-EBDF-5343-B914-D709922A1E15}"/>
                 </a:ext>
               </a:extLst>
             </p:cNvPr>
@@ -8513,7 +8515,7 @@
             <p:cNvPr id="6" name="直线箭头连接符 5">
               <a:extLst>
                 <a:ext uri="{FF2B5EF4-FFF2-40B4-BE49-F238E27FC236}">
-                  <a16:creationId xmlns:a16="http://schemas.microsoft.com/office/drawing/2014/main" id="{E5D9C370-94C8-A54D-A3D8-E623BAC2DE2B}"/>
+                  <a16:creationId xmlns:a16="http://schemas.microsoft.com/office/drawing/2014/main" xmlns="" id="{E5D9C370-94C8-A54D-A3D8-E623BAC2DE2B}"/>
                 </a:ext>
               </a:extLst>
             </p:cNvPr>
@@ -8557,7 +8559,7 @@
             <p:cNvPr id="7" name="直线箭头连接符 6">
               <a:extLst>
                 <a:ext uri="{FF2B5EF4-FFF2-40B4-BE49-F238E27FC236}">
-                  <a16:creationId xmlns:a16="http://schemas.microsoft.com/office/drawing/2014/main" id="{C0D72D1F-84F2-EE44-ABD0-7640FA37FB32}"/>
+                  <a16:creationId xmlns:a16="http://schemas.microsoft.com/office/drawing/2014/main" xmlns="" id="{C0D72D1F-84F2-EE44-ABD0-7640FA37FB32}"/>
                 </a:ext>
               </a:extLst>
             </p:cNvPr>
@@ -8601,7 +8603,7 @@
             <p:cNvPr id="8" name="文本框 7">
               <a:extLst>
                 <a:ext uri="{FF2B5EF4-FFF2-40B4-BE49-F238E27FC236}">
-                  <a16:creationId xmlns:a16="http://schemas.microsoft.com/office/drawing/2014/main" id="{151DCB7F-F092-5544-BE20-9824B16A5704}"/>
+                  <a16:creationId xmlns:a16="http://schemas.microsoft.com/office/drawing/2014/main" xmlns="" id="{151DCB7F-F092-5544-BE20-9824B16A5704}"/>
                 </a:ext>
               </a:extLst>
             </p:cNvPr>
@@ -8671,7 +8673,7 @@
             <p:cNvPr id="9" name="矩形 8">
               <a:extLst>
                 <a:ext uri="{FF2B5EF4-FFF2-40B4-BE49-F238E27FC236}">
-                  <a16:creationId xmlns:a16="http://schemas.microsoft.com/office/drawing/2014/main" id="{66AAE402-7722-2840-8E32-0B79BD5C5F78}"/>
+                  <a16:creationId xmlns:a16="http://schemas.microsoft.com/office/drawing/2014/main" xmlns="" id="{66AAE402-7722-2840-8E32-0B79BD5C5F78}"/>
                 </a:ext>
               </a:extLst>
             </p:cNvPr>
@@ -8706,7 +8708,7 @@
             <p:cNvPr id="10" name="矩形 9">
               <a:extLst>
                 <a:ext uri="{FF2B5EF4-FFF2-40B4-BE49-F238E27FC236}">
-                  <a16:creationId xmlns:a16="http://schemas.microsoft.com/office/drawing/2014/main" id="{DDEC312E-46A2-1640-9E54-2D40E9FB4C4A}"/>
+                  <a16:creationId xmlns:a16="http://schemas.microsoft.com/office/drawing/2014/main" xmlns="" id="{DDEC312E-46A2-1640-9E54-2D40E9FB4C4A}"/>
                 </a:ext>
               </a:extLst>
             </p:cNvPr>
@@ -8741,7 +8743,7 @@
             <p:cNvPr id="11" name="矩形 10">
               <a:extLst>
                 <a:ext uri="{FF2B5EF4-FFF2-40B4-BE49-F238E27FC236}">
-                  <a16:creationId xmlns:a16="http://schemas.microsoft.com/office/drawing/2014/main" id="{C0540C6F-8432-8C4F-868C-3DC893FD09AF}"/>
+                  <a16:creationId xmlns:a16="http://schemas.microsoft.com/office/drawing/2014/main" xmlns="" id="{C0540C6F-8432-8C4F-868C-3DC893FD09AF}"/>
                 </a:ext>
               </a:extLst>
             </p:cNvPr>
@@ -8776,7 +8778,7 @@
             <p:cNvPr id="12" name="矩形 11">
               <a:extLst>
                 <a:ext uri="{FF2B5EF4-FFF2-40B4-BE49-F238E27FC236}">
-                  <a16:creationId xmlns:a16="http://schemas.microsoft.com/office/drawing/2014/main" id="{89CAFCC3-678C-314D-A76C-ABA8487723A1}"/>
+                  <a16:creationId xmlns:a16="http://schemas.microsoft.com/office/drawing/2014/main" xmlns="" id="{89CAFCC3-678C-314D-A76C-ABA8487723A1}"/>
                 </a:ext>
               </a:extLst>
             </p:cNvPr>
@@ -8812,7 +8814,7 @@
           <p:cNvPr id="13" name="直线箭头连接符 12">
             <a:extLst>
               <a:ext uri="{FF2B5EF4-FFF2-40B4-BE49-F238E27FC236}">
-                <a16:creationId xmlns:a16="http://schemas.microsoft.com/office/drawing/2014/main" id="{4E709796-9FB0-F244-B301-DA9887CD1352}"/>
+                <a16:creationId xmlns:a16="http://schemas.microsoft.com/office/drawing/2014/main" xmlns="" id="{4E709796-9FB0-F244-B301-DA9887CD1352}"/>
               </a:ext>
             </a:extLst>
           </p:cNvPr>
@@ -8856,7 +8858,7 @@
           <p:cNvPr id="14" name="直线箭头连接符 13">
             <a:extLst>
               <a:ext uri="{FF2B5EF4-FFF2-40B4-BE49-F238E27FC236}">
-                <a16:creationId xmlns:a16="http://schemas.microsoft.com/office/drawing/2014/main" id="{7C28BBFB-6938-7340-A48F-C0D0842BBBAC}"/>
+                <a16:creationId xmlns:a16="http://schemas.microsoft.com/office/drawing/2014/main" xmlns="" id="{7C28BBFB-6938-7340-A48F-C0D0842BBBAC}"/>
               </a:ext>
             </a:extLst>
           </p:cNvPr>
@@ -8900,7 +8902,7 @@
           <p:cNvPr id="17" name="文本框 16">
             <a:extLst>
               <a:ext uri="{FF2B5EF4-FFF2-40B4-BE49-F238E27FC236}">
-                <a16:creationId xmlns:a16="http://schemas.microsoft.com/office/drawing/2014/main" id="{254FF02F-FE15-1047-897A-4D584C845F23}"/>
+                <a16:creationId xmlns:a16="http://schemas.microsoft.com/office/drawing/2014/main" xmlns="" id="{254FF02F-FE15-1047-897A-4D584C845F23}"/>
               </a:ext>
             </a:extLst>
           </p:cNvPr>
@@ -8958,7 +8960,7 @@
           <p:cNvPr id="18" name="矩形 17">
             <a:extLst>
               <a:ext uri="{FF2B5EF4-FFF2-40B4-BE49-F238E27FC236}">
-                <a16:creationId xmlns:a16="http://schemas.microsoft.com/office/drawing/2014/main" id="{1F8EE6B8-5721-9944-BF41-E86F746DF965}"/>
+                <a16:creationId xmlns:a16="http://schemas.microsoft.com/office/drawing/2014/main" xmlns="" id="{1F8EE6B8-5721-9944-BF41-E86F746DF965}"/>
               </a:ext>
             </a:extLst>
           </p:cNvPr>
@@ -9052,7 +9054,7 @@
     </p:spTree>
     <p:extLst>
       <p:ext uri="{BB962C8B-B14F-4D97-AF65-F5344CB8AC3E}">
-        <p14:creationId xmlns:p14="http://schemas.microsoft.com/office/powerpoint/2010/main" val="2199095443"/>
+        <p14:creationId xmlns:p14="http://schemas.microsoft.com/office/powerpoint/2010/main" xmlns="" val="2199095443"/>
       </p:ext>
     </p:extLst>
   </p:cSld>
@@ -9084,7 +9086,7 @@
           <p:cNvPr id="2" name="图片 1">
             <a:extLst>
               <a:ext uri="{FF2B5EF4-FFF2-40B4-BE49-F238E27FC236}">
-                <a16:creationId xmlns:a16="http://schemas.microsoft.com/office/drawing/2014/main" id="{D5425CB8-6EAF-414D-AEBD-663AD800B191}"/>
+                <a16:creationId xmlns:a16="http://schemas.microsoft.com/office/drawing/2014/main" xmlns="" id="{D5425CB8-6EAF-414D-AEBD-663AD800B191}"/>
               </a:ext>
             </a:extLst>
           </p:cNvPr>
@@ -9114,7 +9116,7 @@
           <p:cNvPr id="3" name="组合 2">
             <a:extLst>
               <a:ext uri="{FF2B5EF4-FFF2-40B4-BE49-F238E27FC236}">
-                <a16:creationId xmlns:a16="http://schemas.microsoft.com/office/drawing/2014/main" id="{9A66E38F-BC4E-9C41-93D3-2ACBAAED1A42}"/>
+                <a16:creationId xmlns:a16="http://schemas.microsoft.com/office/drawing/2014/main" xmlns="" id="{9A66E38F-BC4E-9C41-93D3-2ACBAAED1A42}"/>
               </a:ext>
             </a:extLst>
           </p:cNvPr>
@@ -9134,7 +9136,7 @@
             <p:cNvPr id="4" name="直线箭头连接符 3">
               <a:extLst>
                 <a:ext uri="{FF2B5EF4-FFF2-40B4-BE49-F238E27FC236}">
-                  <a16:creationId xmlns:a16="http://schemas.microsoft.com/office/drawing/2014/main" id="{C78CC942-B757-654C-8872-30A4C3E6EB19}"/>
+                  <a16:creationId xmlns:a16="http://schemas.microsoft.com/office/drawing/2014/main" xmlns="" id="{C78CC942-B757-654C-8872-30A4C3E6EB19}"/>
                 </a:ext>
               </a:extLst>
             </p:cNvPr>
@@ -9178,7 +9180,7 @@
             <p:cNvPr id="5" name="直线箭头连接符 4">
               <a:extLst>
                 <a:ext uri="{FF2B5EF4-FFF2-40B4-BE49-F238E27FC236}">
-                  <a16:creationId xmlns:a16="http://schemas.microsoft.com/office/drawing/2014/main" id="{A5E8858E-EBDF-5343-B914-D709922A1E15}"/>
+                  <a16:creationId xmlns:a16="http://schemas.microsoft.com/office/drawing/2014/main" xmlns="" id="{A5E8858E-EBDF-5343-B914-D709922A1E15}"/>
                 </a:ext>
               </a:extLst>
             </p:cNvPr>
@@ -9222,7 +9224,7 @@
             <p:cNvPr id="6" name="直线箭头连接符 5">
               <a:extLst>
                 <a:ext uri="{FF2B5EF4-FFF2-40B4-BE49-F238E27FC236}">
-                  <a16:creationId xmlns:a16="http://schemas.microsoft.com/office/drawing/2014/main" id="{E5D9C370-94C8-A54D-A3D8-E623BAC2DE2B}"/>
+                  <a16:creationId xmlns:a16="http://schemas.microsoft.com/office/drawing/2014/main" xmlns="" id="{E5D9C370-94C8-A54D-A3D8-E623BAC2DE2B}"/>
                 </a:ext>
               </a:extLst>
             </p:cNvPr>
@@ -9266,7 +9268,7 @@
             <p:cNvPr id="7" name="直线箭头连接符 6">
               <a:extLst>
                 <a:ext uri="{FF2B5EF4-FFF2-40B4-BE49-F238E27FC236}">
-                  <a16:creationId xmlns:a16="http://schemas.microsoft.com/office/drawing/2014/main" id="{C0D72D1F-84F2-EE44-ABD0-7640FA37FB32}"/>
+                  <a16:creationId xmlns:a16="http://schemas.microsoft.com/office/drawing/2014/main" xmlns="" id="{C0D72D1F-84F2-EE44-ABD0-7640FA37FB32}"/>
                 </a:ext>
               </a:extLst>
             </p:cNvPr>
@@ -9310,7 +9312,7 @@
             <p:cNvPr id="8" name="文本框 7">
               <a:extLst>
                 <a:ext uri="{FF2B5EF4-FFF2-40B4-BE49-F238E27FC236}">
-                  <a16:creationId xmlns:a16="http://schemas.microsoft.com/office/drawing/2014/main" id="{151DCB7F-F092-5544-BE20-9824B16A5704}"/>
+                  <a16:creationId xmlns:a16="http://schemas.microsoft.com/office/drawing/2014/main" xmlns="" id="{151DCB7F-F092-5544-BE20-9824B16A5704}"/>
                 </a:ext>
               </a:extLst>
             </p:cNvPr>
@@ -9380,7 +9382,7 @@
             <p:cNvPr id="9" name="矩形 8">
               <a:extLst>
                 <a:ext uri="{FF2B5EF4-FFF2-40B4-BE49-F238E27FC236}">
-                  <a16:creationId xmlns:a16="http://schemas.microsoft.com/office/drawing/2014/main" id="{66AAE402-7722-2840-8E32-0B79BD5C5F78}"/>
+                  <a16:creationId xmlns:a16="http://schemas.microsoft.com/office/drawing/2014/main" xmlns="" id="{66AAE402-7722-2840-8E32-0B79BD5C5F78}"/>
                 </a:ext>
               </a:extLst>
             </p:cNvPr>
@@ -9415,7 +9417,7 @@
             <p:cNvPr id="10" name="矩形 9">
               <a:extLst>
                 <a:ext uri="{FF2B5EF4-FFF2-40B4-BE49-F238E27FC236}">
-                  <a16:creationId xmlns:a16="http://schemas.microsoft.com/office/drawing/2014/main" id="{DDEC312E-46A2-1640-9E54-2D40E9FB4C4A}"/>
+                  <a16:creationId xmlns:a16="http://schemas.microsoft.com/office/drawing/2014/main" xmlns="" id="{DDEC312E-46A2-1640-9E54-2D40E9FB4C4A}"/>
                 </a:ext>
               </a:extLst>
             </p:cNvPr>
@@ -9450,7 +9452,7 @@
             <p:cNvPr id="11" name="矩形 10">
               <a:extLst>
                 <a:ext uri="{FF2B5EF4-FFF2-40B4-BE49-F238E27FC236}">
-                  <a16:creationId xmlns:a16="http://schemas.microsoft.com/office/drawing/2014/main" id="{C0540C6F-8432-8C4F-868C-3DC893FD09AF}"/>
+                  <a16:creationId xmlns:a16="http://schemas.microsoft.com/office/drawing/2014/main" xmlns="" id="{C0540C6F-8432-8C4F-868C-3DC893FD09AF}"/>
                 </a:ext>
               </a:extLst>
             </p:cNvPr>
@@ -9485,7 +9487,7 @@
             <p:cNvPr id="12" name="矩形 11">
               <a:extLst>
                 <a:ext uri="{FF2B5EF4-FFF2-40B4-BE49-F238E27FC236}">
-                  <a16:creationId xmlns:a16="http://schemas.microsoft.com/office/drawing/2014/main" id="{89CAFCC3-678C-314D-A76C-ABA8487723A1}"/>
+                  <a16:creationId xmlns:a16="http://schemas.microsoft.com/office/drawing/2014/main" xmlns="" id="{89CAFCC3-678C-314D-A76C-ABA8487723A1}"/>
                 </a:ext>
               </a:extLst>
             </p:cNvPr>
@@ -9521,7 +9523,7 @@
           <p:cNvPr id="13" name="直线箭头连接符 12">
             <a:extLst>
               <a:ext uri="{FF2B5EF4-FFF2-40B4-BE49-F238E27FC236}">
-                <a16:creationId xmlns:a16="http://schemas.microsoft.com/office/drawing/2014/main" id="{4E709796-9FB0-F244-B301-DA9887CD1352}"/>
+                <a16:creationId xmlns:a16="http://schemas.microsoft.com/office/drawing/2014/main" xmlns="" id="{4E709796-9FB0-F244-B301-DA9887CD1352}"/>
               </a:ext>
             </a:extLst>
           </p:cNvPr>
@@ -9565,7 +9567,7 @@
           <p:cNvPr id="14" name="直线箭头连接符 13">
             <a:extLst>
               <a:ext uri="{FF2B5EF4-FFF2-40B4-BE49-F238E27FC236}">
-                <a16:creationId xmlns:a16="http://schemas.microsoft.com/office/drawing/2014/main" id="{7C28BBFB-6938-7340-A48F-C0D0842BBBAC}"/>
+                <a16:creationId xmlns:a16="http://schemas.microsoft.com/office/drawing/2014/main" xmlns="" id="{7C28BBFB-6938-7340-A48F-C0D0842BBBAC}"/>
               </a:ext>
             </a:extLst>
           </p:cNvPr>
@@ -9609,7 +9611,7 @@
           <p:cNvPr id="19" name="文本框 18">
             <a:extLst>
               <a:ext uri="{FF2B5EF4-FFF2-40B4-BE49-F238E27FC236}">
-                <a16:creationId xmlns:a16="http://schemas.microsoft.com/office/drawing/2014/main" id="{DBC6351E-BCBA-3E45-947D-2FFF146CCF03}"/>
+                <a16:creationId xmlns:a16="http://schemas.microsoft.com/office/drawing/2014/main" xmlns="" id="{DBC6351E-BCBA-3E45-947D-2FFF146CCF03}"/>
               </a:ext>
             </a:extLst>
           </p:cNvPr>
@@ -9667,7 +9669,7 @@
           <p:cNvPr id="20" name="矩形 19">
             <a:extLst>
               <a:ext uri="{FF2B5EF4-FFF2-40B4-BE49-F238E27FC236}">
-                <a16:creationId xmlns:a16="http://schemas.microsoft.com/office/drawing/2014/main" id="{26A4015D-E9A6-FD48-BE30-B718C7AC9E61}"/>
+                <a16:creationId xmlns:a16="http://schemas.microsoft.com/office/drawing/2014/main" xmlns="" id="{26A4015D-E9A6-FD48-BE30-B718C7AC9E61}"/>
               </a:ext>
             </a:extLst>
           </p:cNvPr>
@@ -9761,7 +9763,7 @@
     </p:spTree>
     <p:extLst>
       <p:ext uri="{BB962C8B-B14F-4D97-AF65-F5344CB8AC3E}">
-        <p14:creationId xmlns:p14="http://schemas.microsoft.com/office/powerpoint/2010/main" val="3670781009"/>
+        <p14:creationId xmlns:p14="http://schemas.microsoft.com/office/powerpoint/2010/main" xmlns="" val="3670781009"/>
       </p:ext>
     </p:extLst>
   </p:cSld>
@@ -9793,7 +9795,7 @@
           <p:cNvPr id="2" name="图片 1">
             <a:extLst>
               <a:ext uri="{FF2B5EF4-FFF2-40B4-BE49-F238E27FC236}">
-                <a16:creationId xmlns:a16="http://schemas.microsoft.com/office/drawing/2014/main" id="{D38D36D2-2892-E344-B1DC-86D4E4747D44}"/>
+                <a16:creationId xmlns:a16="http://schemas.microsoft.com/office/drawing/2014/main" xmlns="" id="{D38D36D2-2892-E344-B1DC-86D4E4747D44}"/>
               </a:ext>
             </a:extLst>
           </p:cNvPr>
@@ -9823,7 +9825,7 @@
           <p:cNvPr id="3" name="组合 2">
             <a:extLst>
               <a:ext uri="{FF2B5EF4-FFF2-40B4-BE49-F238E27FC236}">
-                <a16:creationId xmlns:a16="http://schemas.microsoft.com/office/drawing/2014/main" id="{1C2014AD-3AAF-B940-8055-4E1C16D70AAC}"/>
+                <a16:creationId xmlns:a16="http://schemas.microsoft.com/office/drawing/2014/main" xmlns="" id="{1C2014AD-3AAF-B940-8055-4E1C16D70AAC}"/>
               </a:ext>
             </a:extLst>
           </p:cNvPr>
@@ -9843,7 +9845,7 @@
             <p:cNvPr id="4" name="直线箭头连接符 3">
               <a:extLst>
                 <a:ext uri="{FF2B5EF4-FFF2-40B4-BE49-F238E27FC236}">
-                  <a16:creationId xmlns:a16="http://schemas.microsoft.com/office/drawing/2014/main" id="{E04C804D-D214-EF44-A883-55F019AA2643}"/>
+                  <a16:creationId xmlns:a16="http://schemas.microsoft.com/office/drawing/2014/main" xmlns="" id="{E04C804D-D214-EF44-A883-55F019AA2643}"/>
                 </a:ext>
               </a:extLst>
             </p:cNvPr>
@@ -9887,7 +9889,7 @@
             <p:cNvPr id="5" name="直线箭头连接符 4">
               <a:extLst>
                 <a:ext uri="{FF2B5EF4-FFF2-40B4-BE49-F238E27FC236}">
-                  <a16:creationId xmlns:a16="http://schemas.microsoft.com/office/drawing/2014/main" id="{9DAED1B9-9125-CC4B-A86B-75ACCDFD0918}"/>
+                  <a16:creationId xmlns:a16="http://schemas.microsoft.com/office/drawing/2014/main" xmlns="" id="{9DAED1B9-9125-CC4B-A86B-75ACCDFD0918}"/>
                 </a:ext>
               </a:extLst>
             </p:cNvPr>
@@ -9931,7 +9933,7 @@
             <p:cNvPr id="6" name="直线箭头连接符 5">
               <a:extLst>
                 <a:ext uri="{FF2B5EF4-FFF2-40B4-BE49-F238E27FC236}">
-                  <a16:creationId xmlns:a16="http://schemas.microsoft.com/office/drawing/2014/main" id="{B7E6ADF5-8BCA-B746-AFEF-7E1D035C14AF}"/>
+                  <a16:creationId xmlns:a16="http://schemas.microsoft.com/office/drawing/2014/main" xmlns="" id="{B7E6ADF5-8BCA-B746-AFEF-7E1D035C14AF}"/>
                 </a:ext>
               </a:extLst>
             </p:cNvPr>
@@ -9975,7 +9977,7 @@
             <p:cNvPr id="7" name="直线箭头连接符 6">
               <a:extLst>
                 <a:ext uri="{FF2B5EF4-FFF2-40B4-BE49-F238E27FC236}">
-                  <a16:creationId xmlns:a16="http://schemas.microsoft.com/office/drawing/2014/main" id="{517880D0-486A-1D45-A206-1597A42452CF}"/>
+                  <a16:creationId xmlns:a16="http://schemas.microsoft.com/office/drawing/2014/main" xmlns="" id="{517880D0-486A-1D45-A206-1597A42452CF}"/>
                 </a:ext>
               </a:extLst>
             </p:cNvPr>
@@ -10019,7 +10021,7 @@
             <p:cNvPr id="8" name="文本框 7">
               <a:extLst>
                 <a:ext uri="{FF2B5EF4-FFF2-40B4-BE49-F238E27FC236}">
-                  <a16:creationId xmlns:a16="http://schemas.microsoft.com/office/drawing/2014/main" id="{41143842-8F30-614C-AE04-F7F24EEFA6F3}"/>
+                  <a16:creationId xmlns:a16="http://schemas.microsoft.com/office/drawing/2014/main" xmlns="" id="{41143842-8F30-614C-AE04-F7F24EEFA6F3}"/>
                 </a:ext>
               </a:extLst>
             </p:cNvPr>
@@ -10089,7 +10091,7 @@
             <p:cNvPr id="9" name="矩形 8">
               <a:extLst>
                 <a:ext uri="{FF2B5EF4-FFF2-40B4-BE49-F238E27FC236}">
-                  <a16:creationId xmlns:a16="http://schemas.microsoft.com/office/drawing/2014/main" id="{F6C67529-412C-904A-B4C4-635D5E8777BE}"/>
+                  <a16:creationId xmlns:a16="http://schemas.microsoft.com/office/drawing/2014/main" xmlns="" id="{F6C67529-412C-904A-B4C4-635D5E8777BE}"/>
                 </a:ext>
               </a:extLst>
             </p:cNvPr>
@@ -10124,7 +10126,7 @@
             <p:cNvPr id="10" name="矩形 9">
               <a:extLst>
                 <a:ext uri="{FF2B5EF4-FFF2-40B4-BE49-F238E27FC236}">
-                  <a16:creationId xmlns:a16="http://schemas.microsoft.com/office/drawing/2014/main" id="{38AEC1D5-3080-7144-BFB6-252B3F286BCC}"/>
+                  <a16:creationId xmlns:a16="http://schemas.microsoft.com/office/drawing/2014/main" xmlns="" id="{38AEC1D5-3080-7144-BFB6-252B3F286BCC}"/>
                 </a:ext>
               </a:extLst>
             </p:cNvPr>
@@ -10159,7 +10161,7 @@
             <p:cNvPr id="11" name="矩形 10">
               <a:extLst>
                 <a:ext uri="{FF2B5EF4-FFF2-40B4-BE49-F238E27FC236}">
-                  <a16:creationId xmlns:a16="http://schemas.microsoft.com/office/drawing/2014/main" id="{A00339C8-4F2B-9245-A4BA-DDB8C27F2319}"/>
+                  <a16:creationId xmlns:a16="http://schemas.microsoft.com/office/drawing/2014/main" xmlns="" id="{A00339C8-4F2B-9245-A4BA-DDB8C27F2319}"/>
                 </a:ext>
               </a:extLst>
             </p:cNvPr>
@@ -10194,7 +10196,7 @@
             <p:cNvPr id="12" name="矩形 11">
               <a:extLst>
                 <a:ext uri="{FF2B5EF4-FFF2-40B4-BE49-F238E27FC236}">
-                  <a16:creationId xmlns:a16="http://schemas.microsoft.com/office/drawing/2014/main" id="{9D297478-0DCD-1A43-815C-1EE4757F3B40}"/>
+                  <a16:creationId xmlns:a16="http://schemas.microsoft.com/office/drawing/2014/main" xmlns="" id="{9D297478-0DCD-1A43-815C-1EE4757F3B40}"/>
                 </a:ext>
               </a:extLst>
             </p:cNvPr>
@@ -10230,7 +10232,7 @@
           <p:cNvPr id="16" name="文本框 15">
             <a:extLst>
               <a:ext uri="{FF2B5EF4-FFF2-40B4-BE49-F238E27FC236}">
-                <a16:creationId xmlns:a16="http://schemas.microsoft.com/office/drawing/2014/main" id="{3BE1FF54-AB66-3148-88F8-4203A8F4B12A}"/>
+                <a16:creationId xmlns:a16="http://schemas.microsoft.com/office/drawing/2014/main" xmlns="" id="{3BE1FF54-AB66-3148-88F8-4203A8F4B12A}"/>
               </a:ext>
             </a:extLst>
           </p:cNvPr>
@@ -10269,7 +10271,7 @@
           <p:cNvPr id="17" name="直线箭头连接符 16">
             <a:extLst>
               <a:ext uri="{FF2B5EF4-FFF2-40B4-BE49-F238E27FC236}">
-                <a16:creationId xmlns:a16="http://schemas.microsoft.com/office/drawing/2014/main" id="{538C0D56-4920-DD4F-B2D7-6763382C9FFB}"/>
+                <a16:creationId xmlns:a16="http://schemas.microsoft.com/office/drawing/2014/main" xmlns="" id="{538C0D56-4920-DD4F-B2D7-6763382C9FFB}"/>
               </a:ext>
             </a:extLst>
           </p:cNvPr>
@@ -10313,7 +10315,7 @@
           <p:cNvPr id="18" name="直线箭头连接符 17">
             <a:extLst>
               <a:ext uri="{FF2B5EF4-FFF2-40B4-BE49-F238E27FC236}">
-                <a16:creationId xmlns:a16="http://schemas.microsoft.com/office/drawing/2014/main" id="{E8C03724-8066-FD40-927E-8E14EF1C9DE0}"/>
+                <a16:creationId xmlns:a16="http://schemas.microsoft.com/office/drawing/2014/main" xmlns="" id="{E8C03724-8066-FD40-927E-8E14EF1C9DE0}"/>
               </a:ext>
             </a:extLst>
           </p:cNvPr>
@@ -10357,7 +10359,7 @@
           <p:cNvPr id="21" name="文本框 20">
             <a:extLst>
               <a:ext uri="{FF2B5EF4-FFF2-40B4-BE49-F238E27FC236}">
-                <a16:creationId xmlns:a16="http://schemas.microsoft.com/office/drawing/2014/main" id="{91BF3433-048C-C140-91BF-BF48ABDB64A2}"/>
+                <a16:creationId xmlns:a16="http://schemas.microsoft.com/office/drawing/2014/main" xmlns="" id="{91BF3433-048C-C140-91BF-BF48ABDB64A2}"/>
               </a:ext>
             </a:extLst>
           </p:cNvPr>
@@ -10415,7 +10417,7 @@
           <p:cNvPr id="22" name="矩形 21">
             <a:extLst>
               <a:ext uri="{FF2B5EF4-FFF2-40B4-BE49-F238E27FC236}">
-                <a16:creationId xmlns:a16="http://schemas.microsoft.com/office/drawing/2014/main" id="{9C6431CD-1FEA-0446-A6C7-881C5007BFBB}"/>
+                <a16:creationId xmlns:a16="http://schemas.microsoft.com/office/drawing/2014/main" xmlns="" id="{9C6431CD-1FEA-0446-A6C7-881C5007BFBB}"/>
               </a:ext>
             </a:extLst>
           </p:cNvPr>
@@ -10509,7 +10511,7 @@
     </p:spTree>
     <p:extLst>
       <p:ext uri="{BB962C8B-B14F-4D97-AF65-F5344CB8AC3E}">
-        <p14:creationId xmlns:p14="http://schemas.microsoft.com/office/powerpoint/2010/main" val="1154268205"/>
+        <p14:creationId xmlns:p14="http://schemas.microsoft.com/office/powerpoint/2010/main" xmlns="" val="1154268205"/>
       </p:ext>
     </p:extLst>
   </p:cSld>
@@ -10562,7 +10564,7 @@
     </a:clrScheme>
     <a:fontScheme name="Office 主题​​">
       <a:majorFont>
-        <a:latin typeface="Calibri Light" panose="020F0302020204030204"/>
+        <a:latin typeface="Calibri Light"/>
         <a:ea typeface=""/>
         <a:cs typeface=""/>
         <a:font script="Jpan" typeface="游ゴシック Light"/>
@@ -10597,7 +10599,7 @@
         <a:font script="Geor" typeface="Sylfaen"/>
       </a:majorFont>
       <a:minorFont>
-        <a:latin typeface="Calibri" panose="020F0502020204030204"/>
+        <a:latin typeface="Calibri"/>
         <a:ea typeface=""/>
         <a:cs typeface=""/>
         <a:font script="Jpan" typeface="游ゴシック"/>
@@ -10774,7 +10776,7 @@
   <a:extraClrSchemeLst/>
   <a:extLst>
     <a:ext uri="{05A4C25C-085E-4340-85A3-A5531E510DB2}">
-      <thm15:themeFamily xmlns:thm15="http://schemas.microsoft.com/office/thememl/2012/main" name="Office Theme" id="{62F939B6-93AF-4DB8-9C6B-D6C7DFDC589F}" vid="{AE6F2518-B084-4896-AF52-66CC2144AA26}"/>
+      <thm15:themeFamily xmlns:thm15="http://schemas.microsoft.com/office/thememl/2012/main" xmlns="" name="Office Theme" id="{62F939B6-93AF-4DB8-9C6B-D6C7DFDC589F}" vid="{AE6F2518-B084-4896-AF52-66CC2144AA26}"/>
     </a:ext>
   </a:extLst>
 </a:theme>
